--- a/final.pptx
+++ b/final.pptx
@@ -575,47 +575,6 @@
     </cx:data>
   </cx:chartData>
   <cx:chart>
-    <cx:title pos="t" align="ctr" overlay="0">
-      <cx:tx>
-        <cx:rich>
-          <a:bodyPr rot="0" spcFirstLastPara="1" vertOverflow="ellipsis" vert="horz" wrap="square" lIns="38100" tIns="19050" rIns="38100" bIns="19050" anchor="ctr" anchorCtr="1" compatLnSpc="0"/>
-          <a:lstStyle/>
-          <a:p>
-            <a:pPr algn="ctr" rtl="0">
-              <a:defRPr sz="1862" b="0" i="0" u="none" strike="noStrike" baseline="0">
-                <a:solidFill>
-                  <a:prstClr val="black">
-                    <a:lumMod val="65000"/>
-                    <a:lumOff val="35000"/>
-                  </a:prstClr>
-                </a:solidFill>
-                <a:latin typeface="+mn-lt"/>
-                <a:ea typeface="+mn-ea"/>
-                <a:cs typeface="+mn-cs"/>
-              </a:defRPr>
-            </a:pPr>
-            <a:r>
-              <a:rPr kumimoji="0" lang="en-US" sz="1862" b="0" i="0" u="none" strike="noStrike" kern="0" cap="none" spc="0" normalizeH="0" baseline="0" noProof="0" dirty="0">
-                <a:ln>
-                  <a:noFill/>
-                </a:ln>
-                <a:solidFill>
-                  <a:prstClr val="black">
-                    <a:lumMod val="65000"/>
-                    <a:lumOff val="35000"/>
-                  </a:prstClr>
-                </a:solidFill>
-                <a:effectLst/>
-                <a:uLnTx/>
-                <a:uFillTx/>
-                <a:latin typeface="Calibri" panose="020F0502020204030204"/>
-              </a:rPr>
-              <a:t>Pareto Diagram</a:t>
-            </a:r>
-          </a:p>
-        </cx:rich>
-      </cx:tx>
-    </cx:title>
     <cx:plotArea>
       <cx:plotAreaRegion>
         <cx:series layoutId="clusteredColumn" uniqueId="{BE45254E-40CA-43E8-A929-9822A5341DAE}">
@@ -641,11 +600,12 @@
       </cx:axis>
       <cx:axis id="1">
         <cx:valScaling/>
-        <cx:majorGridlines/>
+        <cx:title/>
         <cx:tickLabels/>
       </cx:axis>
-      <cx:axis id="2">
+      <cx:axis id="2" hidden="1">
         <cx:valScaling max="1" min="0"/>
+        <cx:title/>
         <cx:units unit="percentage"/>
         <cx:tickLabels/>
       </cx:axis>
@@ -1887,7 +1847,7 @@
           <a:p>
             <a:fld id="{BE1FC2F9-AA4C-4B9F-B712-5BFA3E43A865}" type="datetimeFigureOut">
               <a:rPr lang="en-US" smtClean="0"/>
-              <a:t>9/14/2024</a:t>
+              <a:t>9/17/2024</a:t>
             </a:fld>
             <a:endParaRPr lang="en-US"/>
           </a:p>
@@ -2055,7 +2015,7 @@
           <a:p>
             <a:fld id="{BE1FC2F9-AA4C-4B9F-B712-5BFA3E43A865}" type="datetimeFigureOut">
               <a:rPr lang="en-US" smtClean="0"/>
-              <a:t>9/14/2024</a:t>
+              <a:t>9/17/2024</a:t>
             </a:fld>
             <a:endParaRPr lang="en-US"/>
           </a:p>
@@ -2233,7 +2193,7 @@
           <a:p>
             <a:fld id="{BE1FC2F9-AA4C-4B9F-B712-5BFA3E43A865}" type="datetimeFigureOut">
               <a:rPr lang="en-US" smtClean="0"/>
-              <a:t>9/14/2024</a:t>
+              <a:t>9/17/2024</a:t>
             </a:fld>
             <a:endParaRPr lang="en-US"/>
           </a:p>
@@ -2401,7 +2361,7 @@
           <a:p>
             <a:fld id="{BE1FC2F9-AA4C-4B9F-B712-5BFA3E43A865}" type="datetimeFigureOut">
               <a:rPr lang="en-US" smtClean="0"/>
-              <a:t>9/14/2024</a:t>
+              <a:t>9/17/2024</a:t>
             </a:fld>
             <a:endParaRPr lang="en-US"/>
           </a:p>
@@ -2646,7 +2606,7 @@
           <a:p>
             <a:fld id="{BE1FC2F9-AA4C-4B9F-B712-5BFA3E43A865}" type="datetimeFigureOut">
               <a:rPr lang="en-US" smtClean="0"/>
-              <a:t>9/14/2024</a:t>
+              <a:t>9/17/2024</a:t>
             </a:fld>
             <a:endParaRPr lang="en-US"/>
           </a:p>
@@ -2875,7 +2835,7 @@
           <a:p>
             <a:fld id="{BE1FC2F9-AA4C-4B9F-B712-5BFA3E43A865}" type="datetimeFigureOut">
               <a:rPr lang="en-US" smtClean="0"/>
-              <a:t>9/14/2024</a:t>
+              <a:t>9/17/2024</a:t>
             </a:fld>
             <a:endParaRPr lang="en-US"/>
           </a:p>
@@ -3239,7 +3199,7 @@
           <a:p>
             <a:fld id="{BE1FC2F9-AA4C-4B9F-B712-5BFA3E43A865}" type="datetimeFigureOut">
               <a:rPr lang="en-US" smtClean="0"/>
-              <a:t>9/14/2024</a:t>
+              <a:t>9/17/2024</a:t>
             </a:fld>
             <a:endParaRPr lang="en-US"/>
           </a:p>
@@ -3356,7 +3316,7 @@
           <a:p>
             <a:fld id="{BE1FC2F9-AA4C-4B9F-B712-5BFA3E43A865}" type="datetimeFigureOut">
               <a:rPr lang="en-US" smtClean="0"/>
-              <a:t>9/14/2024</a:t>
+              <a:t>9/17/2024</a:t>
             </a:fld>
             <a:endParaRPr lang="en-US"/>
           </a:p>
@@ -3451,7 +3411,7 @@
           <a:p>
             <a:fld id="{BE1FC2F9-AA4C-4B9F-B712-5BFA3E43A865}" type="datetimeFigureOut">
               <a:rPr lang="en-US" smtClean="0"/>
-              <a:t>9/14/2024</a:t>
+              <a:t>9/17/2024</a:t>
             </a:fld>
             <a:endParaRPr lang="en-US"/>
           </a:p>
@@ -3726,7 +3686,7 @@
           <a:p>
             <a:fld id="{BE1FC2F9-AA4C-4B9F-B712-5BFA3E43A865}" type="datetimeFigureOut">
               <a:rPr lang="en-US" smtClean="0"/>
-              <a:t>9/14/2024</a:t>
+              <a:t>9/17/2024</a:t>
             </a:fld>
             <a:endParaRPr lang="en-US"/>
           </a:p>
@@ -3978,7 +3938,7 @@
           <a:p>
             <a:fld id="{BE1FC2F9-AA4C-4B9F-B712-5BFA3E43A865}" type="datetimeFigureOut">
               <a:rPr lang="en-US" smtClean="0"/>
-              <a:t>9/14/2024</a:t>
+              <a:t>9/17/2024</a:t>
             </a:fld>
             <a:endParaRPr lang="en-US"/>
           </a:p>
@@ -4189,7 +4149,7 @@
           <a:p>
             <a:fld id="{BE1FC2F9-AA4C-4B9F-B712-5BFA3E43A865}" type="datetimeFigureOut">
               <a:rPr lang="en-US" smtClean="0"/>
-              <a:t>9/14/2024</a:t>
+              <a:t>9/17/2024</a:t>
             </a:fld>
             <a:endParaRPr lang="en-US"/>
           </a:p>
@@ -4594,8 +4554,8 @@
           <a:chExt cx="0" cy="0"/>
         </a:xfrm>
       </p:grpSpPr>
-      <mc:AlternateContent xmlns:mc="http://schemas.openxmlformats.org/markup-compatibility/2006">
-        <mc:Choice xmlns:pslz="http://schemas.microsoft.com/office/powerpoint/2016/slidezoom" Requires="pslz">
+      <mc:AlternateContent xmlns:mc="http://schemas.openxmlformats.org/markup-compatibility/2006" xmlns:pslz="http://schemas.microsoft.com/office/powerpoint/2016/slidezoom">
+        <mc:Choice Requires="pslz">
           <p:graphicFrame>
             <p:nvGraphicFramePr>
               <p:cNvPr id="3" name="Slide Zoom 2">
@@ -4652,7 +4612,7 @@
             </a:graphic>
           </p:graphicFrame>
         </mc:Choice>
-        <mc:Fallback>
+        <mc:Fallback xmlns="">
           <p:pic>
             <p:nvPicPr>
               <p:cNvPr id="3" name="Slide Zoom 2">
@@ -4669,7 +4629,7 @@
               <p:nvPr/>
             </p:nvPicPr>
             <p:blipFill>
-              <a:blip r:embed="rId2"/>
+              <a:blip r:embed="rId4"/>
               <a:stretch>
                 <a:fillRect/>
               </a:stretch>
@@ -4691,8 +4651,8 @@
           </p:pic>
         </mc:Fallback>
       </mc:AlternateContent>
-      <mc:AlternateContent xmlns:mc="http://schemas.openxmlformats.org/markup-compatibility/2006">
-        <mc:Choice xmlns:pslz="http://schemas.microsoft.com/office/powerpoint/2016/slidezoom" Requires="pslz">
+      <mc:AlternateContent xmlns:mc="http://schemas.openxmlformats.org/markup-compatibility/2006" xmlns:pslz="http://schemas.microsoft.com/office/powerpoint/2016/slidezoom">
+        <mc:Choice Requires="pslz">
           <p:graphicFrame>
             <p:nvGraphicFramePr>
               <p:cNvPr id="5" name="Slide Zoom 4">
@@ -4723,7 +4683,7 @@
                   <pslz:sldZmObj sldId="275" cId="3748983928">
                     <pslz:zmPr id="{B4823A2F-205A-418E-90C9-CD7043629408}" returnToParent="0" transitionDur="1000">
                       <p166:blipFill xmlns:p166="http://schemas.microsoft.com/office/powerpoint/2016/6/main">
-                        <a:blip r:embed="rId4"/>
+                        <a:blip r:embed="rId5"/>
                         <a:stretch>
                           <a:fillRect/>
                         </a:stretch>
@@ -4749,11 +4709,11 @@
             </a:graphic>
           </p:graphicFrame>
         </mc:Choice>
-        <mc:Fallback>
+        <mc:Fallback xmlns="">
           <p:pic>
             <p:nvPicPr>
               <p:cNvPr id="5" name="Slide Zoom 4">
-                <a:hlinkClick r:id="rId5" action="ppaction://hlinksldjump"/>
+                <a:hlinkClick r:id="rId6" action="ppaction://hlinksldjump"/>
                 <a:extLst>
                   <a:ext uri="{FF2B5EF4-FFF2-40B4-BE49-F238E27FC236}">
                     <a16:creationId xmlns:a16="http://schemas.microsoft.com/office/drawing/2014/main" id="{34837B90-77BA-47B6-885E-C20FA9BAAEE3}"/>
@@ -4766,7 +4726,7 @@
               <p:nvPr/>
             </p:nvPicPr>
             <p:blipFill>
-              <a:blip r:embed="rId4"/>
+              <a:blip r:embed="rId7"/>
               <a:stretch>
                 <a:fillRect/>
               </a:stretch>
@@ -4788,8 +4748,8 @@
           </p:pic>
         </mc:Fallback>
       </mc:AlternateContent>
-      <mc:AlternateContent xmlns:mc="http://schemas.openxmlformats.org/markup-compatibility/2006">
-        <mc:Choice xmlns:pslz="http://schemas.microsoft.com/office/powerpoint/2016/slidezoom" Requires="pslz">
+      <mc:AlternateContent xmlns:mc="http://schemas.openxmlformats.org/markup-compatibility/2006" xmlns:pslz="http://schemas.microsoft.com/office/powerpoint/2016/slidezoom">
+        <mc:Choice Requires="pslz">
           <p:graphicFrame>
             <p:nvGraphicFramePr>
               <p:cNvPr id="7" name="Slide Zoom 6">
@@ -4820,7 +4780,7 @@
                   <pslz:sldZmObj sldId="276" cId="4092341665">
                     <pslz:zmPr id="{07471627-C6DD-43F4-9B06-3D7CBADC6418}" returnToParent="0" transitionDur="1000">
                       <p166:blipFill xmlns:p166="http://schemas.microsoft.com/office/powerpoint/2016/6/main">
-                        <a:blip r:embed="rId6"/>
+                        <a:blip r:embed="rId8"/>
                         <a:stretch>
                           <a:fillRect/>
                         </a:stretch>
@@ -4846,11 +4806,11 @@
             </a:graphic>
           </p:graphicFrame>
         </mc:Choice>
-        <mc:Fallback>
+        <mc:Fallback xmlns="">
           <p:pic>
             <p:nvPicPr>
               <p:cNvPr id="7" name="Slide Zoom 6">
-                <a:hlinkClick r:id="rId7" action="ppaction://hlinksldjump"/>
+                <a:hlinkClick r:id="rId9" action="ppaction://hlinksldjump"/>
                 <a:extLst>
                   <a:ext uri="{FF2B5EF4-FFF2-40B4-BE49-F238E27FC236}">
                     <a16:creationId xmlns:a16="http://schemas.microsoft.com/office/drawing/2014/main" id="{E68D068D-87AC-4088-ACA8-2DDD2CAB2392}"/>
@@ -4863,7 +4823,7 @@
               <p:nvPr/>
             </p:nvPicPr>
             <p:blipFill>
-              <a:blip r:embed="rId6"/>
+              <a:blip r:embed="rId10"/>
               <a:stretch>
                 <a:fillRect/>
               </a:stretch>
@@ -4885,8 +4845,8 @@
           </p:pic>
         </mc:Fallback>
       </mc:AlternateContent>
-      <mc:AlternateContent xmlns:mc="http://schemas.openxmlformats.org/markup-compatibility/2006">
-        <mc:Choice xmlns:pslz="http://schemas.microsoft.com/office/powerpoint/2016/slidezoom" Requires="pslz">
+      <mc:AlternateContent xmlns:mc="http://schemas.openxmlformats.org/markup-compatibility/2006" xmlns:pslz="http://schemas.microsoft.com/office/powerpoint/2016/slidezoom">
+        <mc:Choice Requires="pslz">
           <p:graphicFrame>
             <p:nvGraphicFramePr>
               <p:cNvPr id="9" name="Slide Zoom 8">
@@ -4917,7 +4877,7 @@
                   <pslz:sldZmObj sldId="273" cId="973055873">
                     <pslz:zmPr id="{5C5C45F6-53DD-4A82-9AF9-47CE6BF36DEF}" returnToParent="0" transitionDur="1000">
                       <p166:blipFill xmlns:p166="http://schemas.microsoft.com/office/powerpoint/2016/6/main">
-                        <a:blip r:embed="rId8"/>
+                        <a:blip r:embed="rId11"/>
                         <a:stretch>
                           <a:fillRect/>
                         </a:stretch>
@@ -4943,11 +4903,11 @@
             </a:graphic>
           </p:graphicFrame>
         </mc:Choice>
-        <mc:Fallback>
+        <mc:Fallback xmlns="">
           <p:pic>
             <p:nvPicPr>
               <p:cNvPr id="9" name="Slide Zoom 8">
-                <a:hlinkClick r:id="rId9" action="ppaction://hlinksldjump"/>
+                <a:hlinkClick r:id="rId12" action="ppaction://hlinksldjump"/>
                 <a:extLst>
                   <a:ext uri="{FF2B5EF4-FFF2-40B4-BE49-F238E27FC236}">
                     <a16:creationId xmlns:a16="http://schemas.microsoft.com/office/drawing/2014/main" id="{D770864E-F529-4F7F-A073-1EA96294A238}"/>
@@ -4960,7 +4920,7 @@
               <p:nvPr/>
             </p:nvPicPr>
             <p:blipFill>
-              <a:blip r:embed="rId8"/>
+              <a:blip r:embed="rId13"/>
               <a:stretch>
                 <a:fillRect/>
               </a:stretch>
@@ -4982,8 +4942,8 @@
           </p:pic>
         </mc:Fallback>
       </mc:AlternateContent>
-      <mc:AlternateContent xmlns:mc="http://schemas.openxmlformats.org/markup-compatibility/2006">
-        <mc:Choice xmlns:pslz="http://schemas.microsoft.com/office/powerpoint/2016/slidezoom" Requires="pslz">
+      <mc:AlternateContent xmlns:mc="http://schemas.openxmlformats.org/markup-compatibility/2006" xmlns:pslz="http://schemas.microsoft.com/office/powerpoint/2016/slidezoom">
+        <mc:Choice Requires="pslz">
           <p:graphicFrame>
             <p:nvGraphicFramePr>
               <p:cNvPr id="11" name="Slide Zoom 10">
@@ -5014,7 +4974,7 @@
                   <pslz:sldZmObj sldId="277" cId="916171276">
                     <pslz:zmPr id="{160839D6-2632-4201-8016-85F86A11A8DA}" returnToParent="0" transitionDur="1000">
                       <p166:blipFill xmlns:p166="http://schemas.microsoft.com/office/powerpoint/2016/6/main">
-                        <a:blip r:embed="rId10"/>
+                        <a:blip r:embed="rId14"/>
                         <a:stretch>
                           <a:fillRect/>
                         </a:stretch>
@@ -5040,11 +5000,11 @@
             </a:graphic>
           </p:graphicFrame>
         </mc:Choice>
-        <mc:Fallback>
+        <mc:Fallback xmlns="">
           <p:pic>
             <p:nvPicPr>
               <p:cNvPr id="11" name="Slide Zoom 10">
-                <a:hlinkClick r:id="rId11" action="ppaction://hlinksldjump"/>
+                <a:hlinkClick r:id="rId15" action="ppaction://hlinksldjump"/>
                 <a:extLst>
                   <a:ext uri="{FF2B5EF4-FFF2-40B4-BE49-F238E27FC236}">
                     <a16:creationId xmlns:a16="http://schemas.microsoft.com/office/drawing/2014/main" id="{0C7E0BEE-93DE-4B98-BCCE-E21F39910025}"/>
@@ -5057,7 +5017,7 @@
               <p:nvPr/>
             </p:nvPicPr>
             <p:blipFill>
-              <a:blip r:embed="rId10"/>
+              <a:blip r:embed="rId16"/>
               <a:stretch>
                 <a:fillRect/>
               </a:stretch>
@@ -5079,8 +5039,8 @@
           </p:pic>
         </mc:Fallback>
       </mc:AlternateContent>
-      <mc:AlternateContent xmlns:mc="http://schemas.openxmlformats.org/markup-compatibility/2006">
-        <mc:Choice xmlns:pslz="http://schemas.microsoft.com/office/powerpoint/2016/slidezoom" Requires="pslz">
+      <mc:AlternateContent xmlns:mc="http://schemas.openxmlformats.org/markup-compatibility/2006" xmlns:pslz="http://schemas.microsoft.com/office/powerpoint/2016/slidezoom">
+        <mc:Choice Requires="pslz">
           <p:graphicFrame>
             <p:nvGraphicFramePr>
               <p:cNvPr id="13" name="Slide Zoom 12">
@@ -5111,7 +5071,7 @@
                   <pslz:sldZmObj sldId="265" cId="2464868206">
                     <pslz:zmPr id="{7691860B-08D9-4C00-B1B2-258E1013DC69}" returnToParent="0" transitionDur="1000">
                       <p166:blipFill xmlns:p166="http://schemas.microsoft.com/office/powerpoint/2016/6/main">
-                        <a:blip r:embed="rId12"/>
+                        <a:blip r:embed="rId17"/>
                         <a:stretch>
                           <a:fillRect/>
                         </a:stretch>
@@ -5137,11 +5097,11 @@
             </a:graphic>
           </p:graphicFrame>
         </mc:Choice>
-        <mc:Fallback>
+        <mc:Fallback xmlns="">
           <p:pic>
             <p:nvPicPr>
               <p:cNvPr id="13" name="Slide Zoom 12">
-                <a:hlinkClick r:id="rId13" action="ppaction://hlinksldjump"/>
+                <a:hlinkClick r:id="rId18" action="ppaction://hlinksldjump"/>
                 <a:extLst>
                   <a:ext uri="{FF2B5EF4-FFF2-40B4-BE49-F238E27FC236}">
                     <a16:creationId xmlns:a16="http://schemas.microsoft.com/office/drawing/2014/main" id="{B460F647-0186-4A77-997A-87915DB97253}"/>
@@ -5154,7 +5114,7 @@
               <p:nvPr/>
             </p:nvPicPr>
             <p:blipFill>
-              <a:blip r:embed="rId12"/>
+              <a:blip r:embed="rId19"/>
               <a:stretch>
                 <a:fillRect/>
               </a:stretch>
@@ -5176,8 +5136,8 @@
           </p:pic>
         </mc:Fallback>
       </mc:AlternateContent>
-      <mc:AlternateContent xmlns:mc="http://schemas.openxmlformats.org/markup-compatibility/2006">
-        <mc:Choice xmlns:pslz="http://schemas.microsoft.com/office/powerpoint/2016/slidezoom" Requires="pslz">
+      <mc:AlternateContent xmlns:mc="http://schemas.openxmlformats.org/markup-compatibility/2006" xmlns:pslz="http://schemas.microsoft.com/office/powerpoint/2016/slidezoom">
+        <mc:Choice Requires="pslz">
           <p:graphicFrame>
             <p:nvGraphicFramePr>
               <p:cNvPr id="15" name="Slide Zoom 14">
@@ -5208,7 +5168,7 @@
                   <pslz:sldZmObj sldId="268" cId="1030130059">
                     <pslz:zmPr id="{FD75BA8B-8D13-4FFB-B891-AEB5C1FA75D6}" returnToParent="0" transitionDur="1000">
                       <p166:blipFill xmlns:p166="http://schemas.microsoft.com/office/powerpoint/2016/6/main">
-                        <a:blip r:embed="rId14"/>
+                        <a:blip r:embed="rId20"/>
                         <a:stretch>
                           <a:fillRect/>
                         </a:stretch>
@@ -5234,11 +5194,11 @@
             </a:graphic>
           </p:graphicFrame>
         </mc:Choice>
-        <mc:Fallback>
+        <mc:Fallback xmlns="">
           <p:pic>
             <p:nvPicPr>
               <p:cNvPr id="15" name="Slide Zoom 14">
-                <a:hlinkClick r:id="rId15" action="ppaction://hlinksldjump"/>
+                <a:hlinkClick r:id="rId21" action="ppaction://hlinksldjump"/>
                 <a:extLst>
                   <a:ext uri="{FF2B5EF4-FFF2-40B4-BE49-F238E27FC236}">
                     <a16:creationId xmlns:a16="http://schemas.microsoft.com/office/drawing/2014/main" id="{EAE1F479-E581-4492-8ED4-C600880A4D58}"/>
@@ -5251,7 +5211,7 @@
               <p:nvPr/>
             </p:nvPicPr>
             <p:blipFill>
-              <a:blip r:embed="rId14"/>
+              <a:blip r:embed="rId22"/>
               <a:stretch>
                 <a:fillRect/>
               </a:stretch>
@@ -5273,8 +5233,8 @@
           </p:pic>
         </mc:Fallback>
       </mc:AlternateContent>
-      <mc:AlternateContent xmlns:mc="http://schemas.openxmlformats.org/markup-compatibility/2006">
-        <mc:Choice xmlns:pslz="http://schemas.microsoft.com/office/powerpoint/2016/slidezoom" Requires="pslz">
+      <mc:AlternateContent xmlns:mc="http://schemas.openxmlformats.org/markup-compatibility/2006" xmlns:pslz="http://schemas.microsoft.com/office/powerpoint/2016/slidezoom">
+        <mc:Choice Requires="pslz">
           <p:graphicFrame>
             <p:nvGraphicFramePr>
               <p:cNvPr id="17" name="Slide Zoom 16">
@@ -5305,7 +5265,7 @@
                   <pslz:sldZmObj sldId="271" cId="2443193918">
                     <pslz:zmPr id="{6AFEABDA-0B3D-420D-9BE3-3D047C0C0F2C}" returnToParent="0" transitionDur="1000">
                       <p166:blipFill xmlns:p166="http://schemas.microsoft.com/office/powerpoint/2016/6/main">
-                        <a:blip r:embed="rId16"/>
+                        <a:blip r:embed="rId23"/>
                         <a:stretch>
                           <a:fillRect/>
                         </a:stretch>
@@ -5331,11 +5291,11 @@
             </a:graphic>
           </p:graphicFrame>
         </mc:Choice>
-        <mc:Fallback>
+        <mc:Fallback xmlns="">
           <p:pic>
             <p:nvPicPr>
               <p:cNvPr id="17" name="Slide Zoom 16">
-                <a:hlinkClick r:id="rId17" action="ppaction://hlinksldjump"/>
+                <a:hlinkClick r:id="rId24" action="ppaction://hlinksldjump"/>
                 <a:extLst>
                   <a:ext uri="{FF2B5EF4-FFF2-40B4-BE49-F238E27FC236}">
                     <a16:creationId xmlns:a16="http://schemas.microsoft.com/office/drawing/2014/main" id="{E7133670-9D51-4130-A0A2-7F9CF424224E}"/>
@@ -5348,7 +5308,7 @@
               <p:nvPr/>
             </p:nvPicPr>
             <p:blipFill>
-              <a:blip r:embed="rId16"/>
+              <a:blip r:embed="rId25"/>
               <a:stretch>
                 <a:fillRect/>
               </a:stretch>
@@ -5370,8 +5330,8 @@
           </p:pic>
         </mc:Fallback>
       </mc:AlternateContent>
-      <mc:AlternateContent xmlns:mc="http://schemas.openxmlformats.org/markup-compatibility/2006">
-        <mc:Choice xmlns:pslz="http://schemas.microsoft.com/office/powerpoint/2016/slidezoom" Requires="pslz">
+      <mc:AlternateContent xmlns:mc="http://schemas.openxmlformats.org/markup-compatibility/2006" xmlns:pslz="http://schemas.microsoft.com/office/powerpoint/2016/slidezoom">
+        <mc:Choice Requires="pslz">
           <p:graphicFrame>
             <p:nvGraphicFramePr>
               <p:cNvPr id="19" name="Slide Zoom 18">
@@ -5402,7 +5362,7 @@
                   <pslz:sldZmObj sldId="272" cId="2103915749">
                     <pslz:zmPr id="{CFC8F7B1-917C-4E37-9253-C03C9BE6CED3}" returnToParent="0" transitionDur="1000">
                       <p166:blipFill xmlns:p166="http://schemas.microsoft.com/office/powerpoint/2016/6/main">
-                        <a:blip r:embed="rId18"/>
+                        <a:blip r:embed="rId26"/>
                         <a:stretch>
                           <a:fillRect/>
                         </a:stretch>
@@ -5428,11 +5388,11 @@
             </a:graphic>
           </p:graphicFrame>
         </mc:Choice>
-        <mc:Fallback>
+        <mc:Fallback xmlns="">
           <p:pic>
             <p:nvPicPr>
               <p:cNvPr id="19" name="Slide Zoom 18">
-                <a:hlinkClick r:id="rId19" action="ppaction://hlinksldjump"/>
+                <a:hlinkClick r:id="rId27" action="ppaction://hlinksldjump"/>
                 <a:extLst>
                   <a:ext uri="{FF2B5EF4-FFF2-40B4-BE49-F238E27FC236}">
                     <a16:creationId xmlns:a16="http://schemas.microsoft.com/office/drawing/2014/main" id="{EA2334B2-B163-4E48-87E0-8D150007BB2D}"/>
@@ -5445,7 +5405,7 @@
               <p:nvPr/>
             </p:nvPicPr>
             <p:blipFill>
-              <a:blip r:embed="rId18"/>
+              <a:blip r:embed="rId28"/>
               <a:stretch>
                 <a:fillRect/>
               </a:stretch>
@@ -6387,15 +6347,15 @@
           <a:p>
             <a:r>
               <a:rPr lang="en-US" sz="2000" b="1" dirty="0"/>
-              <a:t>Causes of lack of participation                                     observer : darshan,  </a:t>
+              <a:t>Causes of lack of participation                                     observer : </a:t>
             </a:r>
             <a:r>
               <a:rPr lang="en-US" sz="2000" b="1" dirty="0" err="1"/>
-              <a:t>sudeep</a:t>
+              <a:t>Yunisha</a:t>
             </a:r>
             <a:r>
               <a:rPr lang="en-US" sz="2000" b="1" dirty="0"/>
-              <a:t> and  Aditya</a:t>
+              <a:t> ,  Sudeep and  Aditya</a:t>
             </a:r>
           </a:p>
           <a:p>
@@ -6454,7 +6414,7 @@
           <p:nvPr>
             <p:extLst>
               <p:ext uri="{D42A27DB-BD31-4B8C-83A1-F6EECF244321}">
-                <p14:modId xmlns:p14="http://schemas.microsoft.com/office/powerpoint/2010/main" val="2607395014"/>
+                <p14:modId xmlns:p14="http://schemas.microsoft.com/office/powerpoint/2010/main" val="1664360216"/>
               </p:ext>
             </p:extLst>
           </p:nvPr>
@@ -7049,13 +7009,8 @@
                     <a:p>
                       <a:r>
                         <a:rPr lang="en-US" dirty="0"/>
-                        <a:t>Population </a:t>
+                        <a:t>Population growth</a:t>
                       </a:r>
-                      <a:r>
-                        <a:rPr lang="en-US" dirty="0" err="1"/>
-                        <a:t>grwth</a:t>
-                      </a:r>
-                      <a:endParaRPr lang="en-US" dirty="0"/>
                     </a:p>
                   </a:txBody>
                   <a:tcPr/>
@@ -7328,13 +7283,13 @@
               <p:nvPr>
                 <p:extLst>
                   <p:ext uri="{D42A27DB-BD31-4B8C-83A1-F6EECF244321}">
-                    <p14:modId xmlns:p14="http://schemas.microsoft.com/office/powerpoint/2010/main" val="110058500"/>
+                    <p14:modId xmlns:p14="http://schemas.microsoft.com/office/powerpoint/2010/main" val="2402187570"/>
                   </p:ext>
                 </p:extLst>
               </p:nvPr>
             </p:nvGraphicFramePr>
             <p:xfrm>
-              <a:off x="2032000" y="719666"/>
+              <a:off x="1114570" y="500158"/>
               <a:ext cx="8128000" cy="5418667"/>
             </p:xfrm>
             <a:graphic>
@@ -7367,7 +7322,7 @@
             </p:blipFill>
             <p:spPr>
               <a:xfrm>
-                <a:off x="2032000" y="719666"/>
+                <a:off x="1114570" y="500158"/>
                 <a:ext cx="8128000" cy="5418667"/>
               </a:xfrm>
               <a:prstGeom prst="rect">

--- a/final.pptx
+++ b/final.pptx
@@ -448,6 +448,7 @@
     </c:plotArea>
     <c:plotVisOnly val="1"/>
     <c:dispBlanksAs val="gap"/>
+    <c:showDLblsOverMax val="0"/>
     <c:extLst>
       <c:ext xmlns:c16r3="http://schemas.microsoft.com/office/drawing/2017/03/chart" uri="{56B9EC1D-385E-4148-901F-78D8002777C0}">
         <c16r3:dataDisplayOptions16>
@@ -455,7 +456,6 @@
         </c16r3:dataDisplayOptions16>
       </c:ext>
     </c:extLst>
-    <c:showDLblsOverMax val="0"/>
   </c:chart>
   <c:spPr>
     <a:noFill/>
@@ -855,6 +855,7 @@
     </c:plotArea>
     <c:plotVisOnly val="1"/>
     <c:dispBlanksAs val="gap"/>
+    <c:showDLblsOverMax val="0"/>
     <c:extLst>
       <c:ext xmlns:c16r3="http://schemas.microsoft.com/office/drawing/2017/03/chart" uri="{56B9EC1D-385E-4148-901F-78D8002777C0}">
         <c16r3:dataDisplayOptions16>
@@ -862,7 +863,6 @@
         </c16r3:dataDisplayOptions16>
       </c:ext>
     </c:extLst>
-    <c:showDLblsOverMax val="0"/>
   </c:chart>
   <c:spPr>
     <a:noFill/>
@@ -1408,6 +1408,7 @@
     </c:plotArea>
     <c:plotVisOnly val="1"/>
     <c:dispBlanksAs val="gap"/>
+    <c:showDLblsOverMax val="0"/>
     <c:extLst>
       <c:ext xmlns:c16r3="http://schemas.microsoft.com/office/drawing/2017/03/chart" uri="{56B9EC1D-385E-4148-901F-78D8002777C0}">
         <c16r3:dataDisplayOptions16>
@@ -1415,7 +1416,6 @@
         </c16r3:dataDisplayOptions16>
       </c:ext>
     </c:extLst>
-    <c:showDLblsOverMax val="0"/>
   </c:chart>
   <c:spPr>
     <a:noFill/>
@@ -1639,6 +1639,46 @@
 </cs:colorStyle>
 </file>
 
+<file path=ppt/charts/colors10.xml><?xml version="1.0" encoding="utf-8"?>
+<cs:colorStyle xmlns:cs="http://schemas.microsoft.com/office/drawing/2012/chartStyle" xmlns:a="http://schemas.openxmlformats.org/drawingml/2006/main" meth="cycle" id="10">
+  <a:schemeClr val="accent1"/>
+  <a:schemeClr val="accent2"/>
+  <a:schemeClr val="accent3"/>
+  <a:schemeClr val="accent4"/>
+  <a:schemeClr val="accent5"/>
+  <a:schemeClr val="accent6"/>
+  <cs:variation/>
+  <cs:variation>
+    <a:lumMod val="60000"/>
+  </cs:variation>
+  <cs:variation>
+    <a:lumMod val="80000"/>
+    <a:lumOff val="20000"/>
+  </cs:variation>
+  <cs:variation>
+    <a:lumMod val="80000"/>
+  </cs:variation>
+  <cs:variation>
+    <a:lumMod val="60000"/>
+    <a:lumOff val="40000"/>
+  </cs:variation>
+  <cs:variation>
+    <a:lumMod val="50000"/>
+  </cs:variation>
+  <cs:variation>
+    <a:lumMod val="70000"/>
+    <a:lumOff val="30000"/>
+  </cs:variation>
+  <cs:variation>
+    <a:lumMod val="70000"/>
+  </cs:variation>
+  <cs:variation>
+    <a:lumMod val="50000"/>
+    <a:lumOff val="50000"/>
+  </cs:variation>
+</cs:colorStyle>
+</file>
+
 <file path=ppt/charts/colors2.xml><?xml version="1.0" encoding="utf-8"?>
 <cs:colorStyle xmlns:cs="http://schemas.microsoft.com/office/drawing/2012/chartStyle" xmlns:a="http://schemas.openxmlformats.org/drawingml/2006/main" meth="cycle" id="10">
   <a:schemeClr val="accent1"/>
@@ -1719,555 +1759,7 @@
 </cs:colorStyle>
 </file>
 
-<file path=ppt/charts/colors4.xml><?xml version="1.0" encoding="utf-8"?>
-<cs:colorStyle xmlns:cs="http://schemas.microsoft.com/office/drawing/2012/chartStyle" xmlns:a="http://schemas.openxmlformats.org/drawingml/2006/main" meth="cycle" id="10">
-  <a:schemeClr val="accent1"/>
-  <a:schemeClr val="accent2"/>
-  <a:schemeClr val="accent3"/>
-  <a:schemeClr val="accent4"/>
-  <a:schemeClr val="accent5"/>
-  <a:schemeClr val="accent6"/>
-  <cs:variation/>
-  <cs:variation>
-    <a:lumMod val="60000"/>
-  </cs:variation>
-  <cs:variation>
-    <a:lumMod val="80000"/>
-    <a:lumOff val="20000"/>
-  </cs:variation>
-  <cs:variation>
-    <a:lumMod val="80000"/>
-  </cs:variation>
-  <cs:variation>
-    <a:lumMod val="60000"/>
-    <a:lumOff val="40000"/>
-  </cs:variation>
-  <cs:variation>
-    <a:lumMod val="50000"/>
-  </cs:variation>
-  <cs:variation>
-    <a:lumMod val="70000"/>
-    <a:lumOff val="30000"/>
-  </cs:variation>
-  <cs:variation>
-    <a:lumMod val="70000"/>
-  </cs:variation>
-  <cs:variation>
-    <a:lumMod val="50000"/>
-    <a:lumOff val="50000"/>
-  </cs:variation>
-</cs:colorStyle>
-</file>
-
 <file path=ppt/charts/style1.xml><?xml version="1.0" encoding="utf-8"?>
-<cs:chartStyle xmlns:cs="http://schemas.microsoft.com/office/drawing/2012/chartStyle" xmlns:a="http://schemas.openxmlformats.org/drawingml/2006/main" id="366">
-  <cs:axisTitle>
-    <cs:lnRef idx="0"/>
-    <cs:fillRef idx="0"/>
-    <cs:effectRef idx="0"/>
-    <cs:fontRef idx="minor">
-      <a:schemeClr val="tx1">
-        <a:lumMod val="65000"/>
-        <a:lumOff val="35000"/>
-      </a:schemeClr>
-    </cs:fontRef>
-    <cs:defRPr sz="1197"/>
-  </cs:axisTitle>
-  <cs:categoryAxis>
-    <cs:lnRef idx="0"/>
-    <cs:fillRef idx="0"/>
-    <cs:effectRef idx="0"/>
-    <cs:fontRef idx="minor">
-      <a:schemeClr val="tx1">
-        <a:lumMod val="65000"/>
-        <a:lumOff val="35000"/>
-      </a:schemeClr>
-    </cs:fontRef>
-    <cs:spPr>
-      <a:ln w="9525" cap="flat" cmpd="sng" algn="ctr">
-        <a:solidFill>
-          <a:schemeClr val="tx1">
-            <a:lumMod val="15000"/>
-            <a:lumOff val="85000"/>
-          </a:schemeClr>
-        </a:solidFill>
-        <a:round/>
-      </a:ln>
-    </cs:spPr>
-    <cs:defRPr sz="1197"/>
-  </cs:categoryAxis>
-  <cs:chartArea mods="allowNoFillOverride allowNoLineOverride">
-    <cs:lnRef idx="0"/>
-    <cs:fillRef idx="0"/>
-    <cs:effectRef idx="0"/>
-    <cs:fontRef idx="minor">
-      <a:schemeClr val="tx1"/>
-    </cs:fontRef>
-    <cs:spPr>
-      <a:solidFill>
-        <a:schemeClr val="bg1"/>
-      </a:solidFill>
-      <a:ln w="9525" cap="flat" cmpd="sng" algn="ctr">
-        <a:solidFill>
-          <a:schemeClr val="tx1">
-            <a:lumMod val="15000"/>
-            <a:lumOff val="85000"/>
-          </a:schemeClr>
-        </a:solidFill>
-        <a:round/>
-      </a:ln>
-    </cs:spPr>
-    <cs:defRPr sz="1330"/>
-  </cs:chartArea>
-  <cs:dataLabel>
-    <cs:lnRef idx="0"/>
-    <cs:fillRef idx="0"/>
-    <cs:effectRef idx="0"/>
-    <cs:fontRef idx="minor">
-      <a:schemeClr val="tx1">
-        <a:lumMod val="65000"/>
-        <a:lumOff val="35000"/>
-      </a:schemeClr>
-    </cs:fontRef>
-    <cs:defRPr sz="1197"/>
-  </cs:dataLabel>
-  <cs:dataLabelCallout>
-    <cs:lnRef idx="0"/>
-    <cs:fillRef idx="0"/>
-    <cs:effectRef idx="0"/>
-    <cs:fontRef idx="minor">
-      <a:schemeClr val="dk1">
-        <a:lumMod val="65000"/>
-        <a:lumOff val="35000"/>
-      </a:schemeClr>
-    </cs:fontRef>
-    <cs:spPr>
-      <a:solidFill>
-        <a:schemeClr val="lt1"/>
-      </a:solidFill>
-      <a:ln>
-        <a:solidFill>
-          <a:schemeClr val="dk1">
-            <a:lumMod val="25000"/>
-            <a:lumOff val="75000"/>
-          </a:schemeClr>
-        </a:solidFill>
-      </a:ln>
-    </cs:spPr>
-    <cs:defRPr sz="1197"/>
-    <cs:bodyPr rot="0" spcFirstLastPara="1" vertOverflow="clip" horzOverflow="clip" vert="horz" wrap="square" lIns="36576" tIns="18288" rIns="36576" bIns="18288" anchor="ctr" anchorCtr="1">
-      <a:spAutoFit/>
-    </cs:bodyPr>
-  </cs:dataLabelCallout>
-  <cs:dataPoint>
-    <cs:lnRef idx="0"/>
-    <cs:fillRef idx="0">
-      <cs:styleClr val="auto"/>
-    </cs:fillRef>
-    <cs:effectRef idx="0"/>
-    <cs:fontRef idx="minor">
-      <a:schemeClr val="tx1"/>
-    </cs:fontRef>
-    <cs:spPr>
-      <a:solidFill>
-        <a:schemeClr val="phClr"/>
-      </a:solidFill>
-    </cs:spPr>
-  </cs:dataPoint>
-  <cs:dataPoint3D>
-    <cs:lnRef idx="0"/>
-    <cs:fillRef idx="0">
-      <cs:styleClr val="auto"/>
-    </cs:fillRef>
-    <cs:effectRef idx="0"/>
-    <cs:fontRef idx="minor">
-      <a:schemeClr val="tx1"/>
-    </cs:fontRef>
-    <cs:spPr>
-      <a:solidFill>
-        <a:schemeClr val="phClr"/>
-      </a:solidFill>
-    </cs:spPr>
-  </cs:dataPoint3D>
-  <cs:dataPointLine>
-    <cs:lnRef idx="0">
-      <cs:styleClr val="auto"/>
-    </cs:lnRef>
-    <cs:fillRef idx="0"/>
-    <cs:effectRef idx="0"/>
-    <cs:fontRef idx="minor">
-      <a:schemeClr val="tx1"/>
-    </cs:fontRef>
-    <cs:spPr>
-      <a:ln w="28575" cap="rnd">
-        <a:solidFill>
-          <a:schemeClr val="phClr"/>
-        </a:solidFill>
-        <a:round/>
-      </a:ln>
-    </cs:spPr>
-  </cs:dataPointLine>
-  <cs:dataPointMarker>
-    <cs:lnRef idx="0"/>
-    <cs:fillRef idx="0">
-      <cs:styleClr val="auto"/>
-    </cs:fillRef>
-    <cs:effectRef idx="0"/>
-    <cs:fontRef idx="minor">
-      <a:schemeClr val="tx1"/>
-    </cs:fontRef>
-    <cs:spPr>
-      <a:solidFill>
-        <a:schemeClr val="phClr"/>
-      </a:solidFill>
-      <a:ln w="9525">
-        <a:solidFill>
-          <a:schemeClr val="lt1"/>
-        </a:solidFill>
-      </a:ln>
-    </cs:spPr>
-  </cs:dataPointMarker>
-  <cs:dataPointMarkerLayout symbol="circle" size="5"/>
-  <cs:dataPointWireframe>
-    <cs:lnRef idx="0">
-      <cs:styleClr val="auto"/>
-    </cs:lnRef>
-    <cs:fillRef idx="0"/>
-    <cs:effectRef idx="0"/>
-    <cs:fontRef idx="minor">
-      <a:schemeClr val="tx1"/>
-    </cs:fontRef>
-    <cs:spPr>
-      <a:ln w="28575" cap="rnd">
-        <a:solidFill>
-          <a:schemeClr val="phClr"/>
-        </a:solidFill>
-        <a:round/>
-      </a:ln>
-    </cs:spPr>
-  </cs:dataPointWireframe>
-  <cs:dataTable>
-    <cs:lnRef idx="0"/>
-    <cs:fillRef idx="0"/>
-    <cs:effectRef idx="0"/>
-    <cs:fontRef idx="minor">
-      <a:schemeClr val="tx1">
-        <a:lumMod val="65000"/>
-        <a:lumOff val="35000"/>
-      </a:schemeClr>
-    </cs:fontRef>
-    <cs:spPr>
-      <a:ln w="9525">
-        <a:solidFill>
-          <a:schemeClr val="tx1">
-            <a:lumMod val="15000"/>
-            <a:lumOff val="85000"/>
-          </a:schemeClr>
-        </a:solidFill>
-      </a:ln>
-    </cs:spPr>
-    <cs:defRPr sz="1197"/>
-  </cs:dataTable>
-  <cs:downBar>
-    <cs:lnRef idx="0"/>
-    <cs:fillRef idx="0"/>
-    <cs:effectRef idx="0"/>
-    <cs:fontRef idx="minor">
-      <a:schemeClr val="dk1"/>
-    </cs:fontRef>
-    <cs:spPr>
-      <a:solidFill>
-        <a:schemeClr val="dk1">
-          <a:lumMod val="65000"/>
-          <a:lumOff val="35000"/>
-        </a:schemeClr>
-      </a:solidFill>
-      <a:ln w="9525">
-        <a:solidFill>
-          <a:schemeClr val="tx1">
-            <a:lumMod val="65000"/>
-            <a:lumOff val="35000"/>
-          </a:schemeClr>
-        </a:solidFill>
-      </a:ln>
-    </cs:spPr>
-  </cs:downBar>
-  <cs:dropLine>
-    <cs:lnRef idx="0"/>
-    <cs:fillRef idx="0"/>
-    <cs:effectRef idx="0"/>
-    <cs:fontRef idx="minor">
-      <a:schemeClr val="tx1"/>
-    </cs:fontRef>
-    <cs:spPr>
-      <a:ln w="9525" cap="flat" cmpd="sng" algn="ctr">
-        <a:solidFill>
-          <a:schemeClr val="tx1">
-            <a:lumMod val="35000"/>
-            <a:lumOff val="65000"/>
-          </a:schemeClr>
-        </a:solidFill>
-        <a:round/>
-      </a:ln>
-    </cs:spPr>
-  </cs:dropLine>
-  <cs:errorBar>
-    <cs:lnRef idx="0"/>
-    <cs:fillRef idx="0"/>
-    <cs:effectRef idx="0"/>
-    <cs:fontRef idx="minor">
-      <a:schemeClr val="tx1"/>
-    </cs:fontRef>
-    <cs:spPr>
-      <a:ln w="9525" cap="flat" cmpd="sng" algn="ctr">
-        <a:solidFill>
-          <a:schemeClr val="tx1">
-            <a:lumMod val="65000"/>
-            <a:lumOff val="35000"/>
-          </a:schemeClr>
-        </a:solidFill>
-        <a:round/>
-      </a:ln>
-    </cs:spPr>
-  </cs:errorBar>
-  <cs:floor>
-    <cs:lnRef idx="0"/>
-    <cs:fillRef idx="0"/>
-    <cs:effectRef idx="0"/>
-    <cs:fontRef idx="minor">
-      <a:schemeClr val="tx1"/>
-    </cs:fontRef>
-  </cs:floor>
-  <cs:gridlineMajor>
-    <cs:lnRef idx="0"/>
-    <cs:fillRef idx="0"/>
-    <cs:effectRef idx="0"/>
-    <cs:fontRef idx="minor">
-      <a:schemeClr val="tx1"/>
-    </cs:fontRef>
-    <cs:spPr>
-      <a:ln w="9525" cap="flat" cmpd="sng" algn="ctr">
-        <a:solidFill>
-          <a:schemeClr val="tx1">
-            <a:lumMod val="15000"/>
-            <a:lumOff val="85000"/>
-          </a:schemeClr>
-        </a:solidFill>
-        <a:round/>
-      </a:ln>
-    </cs:spPr>
-  </cs:gridlineMajor>
-  <cs:gridlineMinor>
-    <cs:lnRef idx="0"/>
-    <cs:fillRef idx="0"/>
-    <cs:effectRef idx="0"/>
-    <cs:fontRef idx="minor">
-      <a:schemeClr val="tx1"/>
-    </cs:fontRef>
-    <cs:spPr>
-      <a:ln w="9525" cap="flat" cmpd="sng" algn="ctr">
-        <a:solidFill>
-          <a:schemeClr val="tx1">
-            <a:lumMod val="15000"/>
-            <a:lumOff val="85000"/>
-          </a:schemeClr>
-        </a:solidFill>
-        <a:round/>
-      </a:ln>
-    </cs:spPr>
-  </cs:gridlineMinor>
-  <cs:hiLoLine>
-    <cs:lnRef idx="0"/>
-    <cs:fillRef idx="0"/>
-    <cs:effectRef idx="0"/>
-    <cs:fontRef idx="minor">
-      <a:schemeClr val="tx1"/>
-    </cs:fontRef>
-    <cs:spPr>
-      <a:ln w="9525" cap="flat" cmpd="sng" algn="ctr">
-        <a:solidFill>
-          <a:schemeClr val="tx1">
-            <a:lumMod val="75000"/>
-            <a:lumOff val="25000"/>
-          </a:schemeClr>
-        </a:solidFill>
-        <a:round/>
-      </a:ln>
-    </cs:spPr>
-  </cs:hiLoLine>
-  <cs:leaderLine>
-    <cs:lnRef idx="0"/>
-    <cs:fillRef idx="0"/>
-    <cs:effectRef idx="0"/>
-    <cs:fontRef idx="minor">
-      <a:schemeClr val="tx1"/>
-    </cs:fontRef>
-    <cs:spPr>
-      <a:ln w="9525" cap="flat" cmpd="sng" algn="ctr">
-        <a:solidFill>
-          <a:schemeClr val="tx1">
-            <a:lumMod val="35000"/>
-            <a:lumOff val="65000"/>
-          </a:schemeClr>
-        </a:solidFill>
-        <a:round/>
-      </a:ln>
-    </cs:spPr>
-  </cs:leaderLine>
-  <cs:legend>
-    <cs:lnRef idx="0"/>
-    <cs:fillRef idx="0"/>
-    <cs:effectRef idx="0"/>
-    <cs:fontRef idx="minor">
-      <a:schemeClr val="tx1">
-        <a:lumMod val="65000"/>
-        <a:lumOff val="35000"/>
-      </a:schemeClr>
-    </cs:fontRef>
-    <cs:defRPr sz="1197"/>
-  </cs:legend>
-  <cs:plotArea mods="allowNoFillOverride allowNoLineOverride">
-    <cs:lnRef idx="0"/>
-    <cs:fillRef idx="0"/>
-    <cs:effectRef idx="0"/>
-    <cs:fontRef idx="minor">
-      <a:schemeClr val="tx1"/>
-    </cs:fontRef>
-  </cs:plotArea>
-  <cs:plotArea3D mods="allowNoFillOverride allowNoLineOverride">
-    <cs:lnRef idx="0"/>
-    <cs:fillRef idx="0"/>
-    <cs:effectRef idx="0"/>
-    <cs:fontRef idx="minor">
-      <a:schemeClr val="tx1"/>
-    </cs:fontRef>
-  </cs:plotArea3D>
-  <cs:seriesAxis>
-    <cs:lnRef idx="0"/>
-    <cs:fillRef idx="0"/>
-    <cs:effectRef idx="0"/>
-    <cs:fontRef idx="minor">
-      <a:schemeClr val="tx1">
-        <a:lumMod val="65000"/>
-        <a:lumOff val="35000"/>
-      </a:schemeClr>
-    </cs:fontRef>
-    <cs:spPr>
-      <a:ln w="9525" cap="flat" cmpd="sng" algn="ctr">
-        <a:solidFill>
-          <a:schemeClr val="tx1">
-            <a:lumMod val="15000"/>
-            <a:lumOff val="85000"/>
-          </a:schemeClr>
-        </a:solidFill>
-        <a:round/>
-      </a:ln>
-    </cs:spPr>
-    <cs:defRPr sz="1197"/>
-  </cs:seriesAxis>
-  <cs:seriesLine>
-    <cs:lnRef idx="0"/>
-    <cs:fillRef idx="0"/>
-    <cs:effectRef idx="0"/>
-    <cs:fontRef idx="minor">
-      <a:schemeClr val="tx1"/>
-    </cs:fontRef>
-    <cs:spPr>
-      <a:ln w="9525" cap="flat">
-        <a:solidFill>
-          <a:srgbClr val="D9D9D9"/>
-        </a:solidFill>
-        <a:round/>
-      </a:ln>
-    </cs:spPr>
-  </cs:seriesLine>
-  <cs:title>
-    <cs:lnRef idx="0"/>
-    <cs:fillRef idx="0"/>
-    <cs:effectRef idx="0"/>
-    <cs:fontRef idx="minor">
-      <a:schemeClr val="tx1">
-        <a:lumMod val="65000"/>
-        <a:lumOff val="35000"/>
-      </a:schemeClr>
-    </cs:fontRef>
-    <cs:defRPr sz="1862"/>
-  </cs:title>
-  <cs:trendline>
-    <cs:lnRef idx="0">
-      <cs:styleClr val="auto"/>
-    </cs:lnRef>
-    <cs:fillRef idx="0"/>
-    <cs:effectRef idx="0"/>
-    <cs:fontRef idx="minor">
-      <a:schemeClr val="tx1"/>
-    </cs:fontRef>
-    <cs:spPr>
-      <a:ln w="19050" cap="rnd">
-        <a:solidFill>
-          <a:schemeClr val="phClr"/>
-        </a:solidFill>
-        <a:prstDash val="sysDash"/>
-      </a:ln>
-    </cs:spPr>
-  </cs:trendline>
-  <cs:trendlineLabel>
-    <cs:lnRef idx="0"/>
-    <cs:fillRef idx="0"/>
-    <cs:effectRef idx="0"/>
-    <cs:fontRef idx="minor">
-      <a:schemeClr val="tx1">
-        <a:lumMod val="65000"/>
-        <a:lumOff val="35000"/>
-      </a:schemeClr>
-    </cs:fontRef>
-    <cs:defRPr sz="1197"/>
-  </cs:trendlineLabel>
-  <cs:upBar>
-    <cs:lnRef idx="0"/>
-    <cs:fillRef idx="0"/>
-    <cs:effectRef idx="0"/>
-    <cs:fontRef idx="minor">
-      <a:schemeClr val="dk1"/>
-    </cs:fontRef>
-    <cs:spPr>
-      <a:solidFill>
-        <a:schemeClr val="lt1"/>
-      </a:solidFill>
-      <a:ln w="9525">
-        <a:solidFill>
-          <a:schemeClr val="tx1">
-            <a:lumMod val="15000"/>
-            <a:lumOff val="85000"/>
-          </a:schemeClr>
-        </a:solidFill>
-      </a:ln>
-    </cs:spPr>
-  </cs:upBar>
-  <cs:valueAxis>
-    <cs:lnRef idx="0"/>
-    <cs:fillRef idx="0"/>
-    <cs:effectRef idx="0"/>
-    <cs:fontRef idx="minor">
-      <a:schemeClr val="tx1">
-        <a:lumMod val="65000"/>
-        <a:lumOff val="35000"/>
-      </a:schemeClr>
-    </cs:fontRef>
-    <cs:defRPr sz="1197"/>
-  </cs:valueAxis>
-  <cs:wall>
-    <cs:lnRef idx="0"/>
-    <cs:fillRef idx="0"/>
-    <cs:effectRef idx="0"/>
-    <cs:fontRef idx="minor">
-      <a:schemeClr val="tx1"/>
-    </cs:fontRef>
-  </cs:wall>
-</cs:chartStyle>
-</file>
-
-<file path=ppt/charts/style2.xml><?xml version="1.0" encoding="utf-8"?>
 <cs:chartStyle xmlns:cs="http://schemas.microsoft.com/office/drawing/2012/chartStyle" xmlns:a="http://schemas.openxmlformats.org/drawingml/2006/main" id="240">
   <cs:axisTitle>
     <cs:lnRef idx="0"/>
@@ -2783,7 +2275,515 @@
 </cs:chartStyle>
 </file>
 
-<file path=ppt/charts/style3.xml><?xml version="1.0" encoding="utf-8"?>
+<file path=ppt/charts/style10.xml><?xml version="1.0" encoding="utf-8"?>
+<cs:chartStyle xmlns:cs="http://schemas.microsoft.com/office/drawing/2012/chartStyle" xmlns:a="http://schemas.openxmlformats.org/drawingml/2006/main" id="366">
+  <cs:axisTitle>
+    <cs:lnRef idx="0"/>
+    <cs:fillRef idx="0"/>
+    <cs:effectRef idx="0"/>
+    <cs:fontRef idx="minor">
+      <a:schemeClr val="tx1">
+        <a:lumMod val="65000"/>
+        <a:lumOff val="35000"/>
+      </a:schemeClr>
+    </cs:fontRef>
+    <cs:defRPr sz="1197"/>
+  </cs:axisTitle>
+  <cs:categoryAxis>
+    <cs:lnRef idx="0"/>
+    <cs:fillRef idx="0"/>
+    <cs:effectRef idx="0"/>
+    <cs:fontRef idx="minor">
+      <a:schemeClr val="tx1">
+        <a:lumMod val="65000"/>
+        <a:lumOff val="35000"/>
+      </a:schemeClr>
+    </cs:fontRef>
+    <cs:spPr>
+      <a:ln w="9525" cap="flat" cmpd="sng" algn="ctr">
+        <a:solidFill>
+          <a:schemeClr val="tx1">
+            <a:lumMod val="15000"/>
+            <a:lumOff val="85000"/>
+          </a:schemeClr>
+        </a:solidFill>
+        <a:round/>
+      </a:ln>
+    </cs:spPr>
+    <cs:defRPr sz="1197"/>
+  </cs:categoryAxis>
+  <cs:chartArea mods="allowNoFillOverride allowNoLineOverride">
+    <cs:lnRef idx="0"/>
+    <cs:fillRef idx="0"/>
+    <cs:effectRef idx="0"/>
+    <cs:fontRef idx="minor">
+      <a:schemeClr val="tx1"/>
+    </cs:fontRef>
+    <cs:spPr>
+      <a:solidFill>
+        <a:schemeClr val="bg1"/>
+      </a:solidFill>
+      <a:ln w="9525" cap="flat" cmpd="sng" algn="ctr">
+        <a:solidFill>
+          <a:schemeClr val="tx1">
+            <a:lumMod val="15000"/>
+            <a:lumOff val="85000"/>
+          </a:schemeClr>
+        </a:solidFill>
+        <a:round/>
+      </a:ln>
+    </cs:spPr>
+    <cs:defRPr sz="1330"/>
+  </cs:chartArea>
+  <cs:dataLabel>
+    <cs:lnRef idx="0"/>
+    <cs:fillRef idx="0"/>
+    <cs:effectRef idx="0"/>
+    <cs:fontRef idx="minor">
+      <a:schemeClr val="tx1">
+        <a:lumMod val="65000"/>
+        <a:lumOff val="35000"/>
+      </a:schemeClr>
+    </cs:fontRef>
+    <cs:defRPr sz="1197"/>
+  </cs:dataLabel>
+  <cs:dataLabelCallout>
+    <cs:lnRef idx="0"/>
+    <cs:fillRef idx="0"/>
+    <cs:effectRef idx="0"/>
+    <cs:fontRef idx="minor">
+      <a:schemeClr val="dk1">
+        <a:lumMod val="65000"/>
+        <a:lumOff val="35000"/>
+      </a:schemeClr>
+    </cs:fontRef>
+    <cs:spPr>
+      <a:solidFill>
+        <a:schemeClr val="lt1"/>
+      </a:solidFill>
+      <a:ln>
+        <a:solidFill>
+          <a:schemeClr val="dk1">
+            <a:lumMod val="25000"/>
+            <a:lumOff val="75000"/>
+          </a:schemeClr>
+        </a:solidFill>
+      </a:ln>
+    </cs:spPr>
+    <cs:defRPr sz="1197"/>
+    <cs:bodyPr rot="0" spcFirstLastPara="1" vertOverflow="clip" horzOverflow="clip" vert="horz" wrap="square" lIns="36576" tIns="18288" rIns="36576" bIns="18288" anchor="ctr" anchorCtr="1">
+      <a:spAutoFit/>
+    </cs:bodyPr>
+  </cs:dataLabelCallout>
+  <cs:dataPoint>
+    <cs:lnRef idx="0"/>
+    <cs:fillRef idx="0">
+      <cs:styleClr val="auto"/>
+    </cs:fillRef>
+    <cs:effectRef idx="0"/>
+    <cs:fontRef idx="minor">
+      <a:schemeClr val="tx1"/>
+    </cs:fontRef>
+    <cs:spPr>
+      <a:solidFill>
+        <a:schemeClr val="phClr"/>
+      </a:solidFill>
+    </cs:spPr>
+  </cs:dataPoint>
+  <cs:dataPoint3D>
+    <cs:lnRef idx="0"/>
+    <cs:fillRef idx="0">
+      <cs:styleClr val="auto"/>
+    </cs:fillRef>
+    <cs:effectRef idx="0"/>
+    <cs:fontRef idx="minor">
+      <a:schemeClr val="tx1"/>
+    </cs:fontRef>
+    <cs:spPr>
+      <a:solidFill>
+        <a:schemeClr val="phClr"/>
+      </a:solidFill>
+    </cs:spPr>
+  </cs:dataPoint3D>
+  <cs:dataPointLine>
+    <cs:lnRef idx="0">
+      <cs:styleClr val="auto"/>
+    </cs:lnRef>
+    <cs:fillRef idx="0"/>
+    <cs:effectRef idx="0"/>
+    <cs:fontRef idx="minor">
+      <a:schemeClr val="tx1"/>
+    </cs:fontRef>
+    <cs:spPr>
+      <a:ln w="28575" cap="rnd">
+        <a:solidFill>
+          <a:schemeClr val="phClr"/>
+        </a:solidFill>
+        <a:round/>
+      </a:ln>
+    </cs:spPr>
+  </cs:dataPointLine>
+  <cs:dataPointMarker>
+    <cs:lnRef idx="0"/>
+    <cs:fillRef idx="0">
+      <cs:styleClr val="auto"/>
+    </cs:fillRef>
+    <cs:effectRef idx="0"/>
+    <cs:fontRef idx="minor">
+      <a:schemeClr val="tx1"/>
+    </cs:fontRef>
+    <cs:spPr>
+      <a:solidFill>
+        <a:schemeClr val="phClr"/>
+      </a:solidFill>
+      <a:ln w="9525">
+        <a:solidFill>
+          <a:schemeClr val="lt1"/>
+        </a:solidFill>
+      </a:ln>
+    </cs:spPr>
+  </cs:dataPointMarker>
+  <cs:dataPointMarkerLayout symbol="circle" size="5"/>
+  <cs:dataPointWireframe>
+    <cs:lnRef idx="0">
+      <cs:styleClr val="auto"/>
+    </cs:lnRef>
+    <cs:fillRef idx="0"/>
+    <cs:effectRef idx="0"/>
+    <cs:fontRef idx="minor">
+      <a:schemeClr val="tx1"/>
+    </cs:fontRef>
+    <cs:spPr>
+      <a:ln w="28575" cap="rnd">
+        <a:solidFill>
+          <a:schemeClr val="phClr"/>
+        </a:solidFill>
+        <a:round/>
+      </a:ln>
+    </cs:spPr>
+  </cs:dataPointWireframe>
+  <cs:dataTable>
+    <cs:lnRef idx="0"/>
+    <cs:fillRef idx="0"/>
+    <cs:effectRef idx="0"/>
+    <cs:fontRef idx="minor">
+      <a:schemeClr val="tx1">
+        <a:lumMod val="65000"/>
+        <a:lumOff val="35000"/>
+      </a:schemeClr>
+    </cs:fontRef>
+    <cs:spPr>
+      <a:ln w="9525">
+        <a:solidFill>
+          <a:schemeClr val="tx1">
+            <a:lumMod val="15000"/>
+            <a:lumOff val="85000"/>
+          </a:schemeClr>
+        </a:solidFill>
+      </a:ln>
+    </cs:spPr>
+    <cs:defRPr sz="1197"/>
+  </cs:dataTable>
+  <cs:downBar>
+    <cs:lnRef idx="0"/>
+    <cs:fillRef idx="0"/>
+    <cs:effectRef idx="0"/>
+    <cs:fontRef idx="minor">
+      <a:schemeClr val="dk1"/>
+    </cs:fontRef>
+    <cs:spPr>
+      <a:solidFill>
+        <a:schemeClr val="dk1">
+          <a:lumMod val="65000"/>
+          <a:lumOff val="35000"/>
+        </a:schemeClr>
+      </a:solidFill>
+      <a:ln w="9525">
+        <a:solidFill>
+          <a:schemeClr val="tx1">
+            <a:lumMod val="65000"/>
+            <a:lumOff val="35000"/>
+          </a:schemeClr>
+        </a:solidFill>
+      </a:ln>
+    </cs:spPr>
+  </cs:downBar>
+  <cs:dropLine>
+    <cs:lnRef idx="0"/>
+    <cs:fillRef idx="0"/>
+    <cs:effectRef idx="0"/>
+    <cs:fontRef idx="minor">
+      <a:schemeClr val="tx1"/>
+    </cs:fontRef>
+    <cs:spPr>
+      <a:ln w="9525" cap="flat" cmpd="sng" algn="ctr">
+        <a:solidFill>
+          <a:schemeClr val="tx1">
+            <a:lumMod val="35000"/>
+            <a:lumOff val="65000"/>
+          </a:schemeClr>
+        </a:solidFill>
+        <a:round/>
+      </a:ln>
+    </cs:spPr>
+  </cs:dropLine>
+  <cs:errorBar>
+    <cs:lnRef idx="0"/>
+    <cs:fillRef idx="0"/>
+    <cs:effectRef idx="0"/>
+    <cs:fontRef idx="minor">
+      <a:schemeClr val="tx1"/>
+    </cs:fontRef>
+    <cs:spPr>
+      <a:ln w="9525" cap="flat" cmpd="sng" algn="ctr">
+        <a:solidFill>
+          <a:schemeClr val="tx1">
+            <a:lumMod val="65000"/>
+            <a:lumOff val="35000"/>
+          </a:schemeClr>
+        </a:solidFill>
+        <a:round/>
+      </a:ln>
+    </cs:spPr>
+  </cs:errorBar>
+  <cs:floor>
+    <cs:lnRef idx="0"/>
+    <cs:fillRef idx="0"/>
+    <cs:effectRef idx="0"/>
+    <cs:fontRef idx="minor">
+      <a:schemeClr val="tx1"/>
+    </cs:fontRef>
+  </cs:floor>
+  <cs:gridlineMajor>
+    <cs:lnRef idx="0"/>
+    <cs:fillRef idx="0"/>
+    <cs:effectRef idx="0"/>
+    <cs:fontRef idx="minor">
+      <a:schemeClr val="tx1"/>
+    </cs:fontRef>
+    <cs:spPr>
+      <a:ln w="9525" cap="flat" cmpd="sng" algn="ctr">
+        <a:solidFill>
+          <a:schemeClr val="tx1">
+            <a:lumMod val="15000"/>
+            <a:lumOff val="85000"/>
+          </a:schemeClr>
+        </a:solidFill>
+        <a:round/>
+      </a:ln>
+    </cs:spPr>
+  </cs:gridlineMajor>
+  <cs:gridlineMinor>
+    <cs:lnRef idx="0"/>
+    <cs:fillRef idx="0"/>
+    <cs:effectRef idx="0"/>
+    <cs:fontRef idx="minor">
+      <a:schemeClr val="tx1"/>
+    </cs:fontRef>
+    <cs:spPr>
+      <a:ln w="9525" cap="flat" cmpd="sng" algn="ctr">
+        <a:solidFill>
+          <a:schemeClr val="tx1">
+            <a:lumMod val="15000"/>
+            <a:lumOff val="85000"/>
+          </a:schemeClr>
+        </a:solidFill>
+        <a:round/>
+      </a:ln>
+    </cs:spPr>
+  </cs:gridlineMinor>
+  <cs:hiLoLine>
+    <cs:lnRef idx="0"/>
+    <cs:fillRef idx="0"/>
+    <cs:effectRef idx="0"/>
+    <cs:fontRef idx="minor">
+      <a:schemeClr val="tx1"/>
+    </cs:fontRef>
+    <cs:spPr>
+      <a:ln w="9525" cap="flat" cmpd="sng" algn="ctr">
+        <a:solidFill>
+          <a:schemeClr val="tx1">
+            <a:lumMod val="75000"/>
+            <a:lumOff val="25000"/>
+          </a:schemeClr>
+        </a:solidFill>
+        <a:round/>
+      </a:ln>
+    </cs:spPr>
+  </cs:hiLoLine>
+  <cs:leaderLine>
+    <cs:lnRef idx="0"/>
+    <cs:fillRef idx="0"/>
+    <cs:effectRef idx="0"/>
+    <cs:fontRef idx="minor">
+      <a:schemeClr val="tx1"/>
+    </cs:fontRef>
+    <cs:spPr>
+      <a:ln w="9525" cap="flat" cmpd="sng" algn="ctr">
+        <a:solidFill>
+          <a:schemeClr val="tx1">
+            <a:lumMod val="35000"/>
+            <a:lumOff val="65000"/>
+          </a:schemeClr>
+        </a:solidFill>
+        <a:round/>
+      </a:ln>
+    </cs:spPr>
+  </cs:leaderLine>
+  <cs:legend>
+    <cs:lnRef idx="0"/>
+    <cs:fillRef idx="0"/>
+    <cs:effectRef idx="0"/>
+    <cs:fontRef idx="minor">
+      <a:schemeClr val="tx1">
+        <a:lumMod val="65000"/>
+        <a:lumOff val="35000"/>
+      </a:schemeClr>
+    </cs:fontRef>
+    <cs:defRPr sz="1197"/>
+  </cs:legend>
+  <cs:plotArea mods="allowNoFillOverride allowNoLineOverride">
+    <cs:lnRef idx="0"/>
+    <cs:fillRef idx="0"/>
+    <cs:effectRef idx="0"/>
+    <cs:fontRef idx="minor">
+      <a:schemeClr val="tx1"/>
+    </cs:fontRef>
+  </cs:plotArea>
+  <cs:plotArea3D mods="allowNoFillOverride allowNoLineOverride">
+    <cs:lnRef idx="0"/>
+    <cs:fillRef idx="0"/>
+    <cs:effectRef idx="0"/>
+    <cs:fontRef idx="minor">
+      <a:schemeClr val="tx1"/>
+    </cs:fontRef>
+  </cs:plotArea3D>
+  <cs:seriesAxis>
+    <cs:lnRef idx="0"/>
+    <cs:fillRef idx="0"/>
+    <cs:effectRef idx="0"/>
+    <cs:fontRef idx="minor">
+      <a:schemeClr val="tx1">
+        <a:lumMod val="65000"/>
+        <a:lumOff val="35000"/>
+      </a:schemeClr>
+    </cs:fontRef>
+    <cs:spPr>
+      <a:ln w="9525" cap="flat" cmpd="sng" algn="ctr">
+        <a:solidFill>
+          <a:schemeClr val="tx1">
+            <a:lumMod val="15000"/>
+            <a:lumOff val="85000"/>
+          </a:schemeClr>
+        </a:solidFill>
+        <a:round/>
+      </a:ln>
+    </cs:spPr>
+    <cs:defRPr sz="1197"/>
+  </cs:seriesAxis>
+  <cs:seriesLine>
+    <cs:lnRef idx="0"/>
+    <cs:fillRef idx="0"/>
+    <cs:effectRef idx="0"/>
+    <cs:fontRef idx="minor">
+      <a:schemeClr val="tx1"/>
+    </cs:fontRef>
+    <cs:spPr>
+      <a:ln w="9525" cap="flat">
+        <a:solidFill>
+          <a:srgbClr val="D9D9D9"/>
+        </a:solidFill>
+        <a:round/>
+      </a:ln>
+    </cs:spPr>
+  </cs:seriesLine>
+  <cs:title>
+    <cs:lnRef idx="0"/>
+    <cs:fillRef idx="0"/>
+    <cs:effectRef idx="0"/>
+    <cs:fontRef idx="minor">
+      <a:schemeClr val="tx1">
+        <a:lumMod val="65000"/>
+        <a:lumOff val="35000"/>
+      </a:schemeClr>
+    </cs:fontRef>
+    <cs:defRPr sz="1862"/>
+  </cs:title>
+  <cs:trendline>
+    <cs:lnRef idx="0">
+      <cs:styleClr val="auto"/>
+    </cs:lnRef>
+    <cs:fillRef idx="0"/>
+    <cs:effectRef idx="0"/>
+    <cs:fontRef idx="minor">
+      <a:schemeClr val="tx1"/>
+    </cs:fontRef>
+    <cs:spPr>
+      <a:ln w="19050" cap="rnd">
+        <a:solidFill>
+          <a:schemeClr val="phClr"/>
+        </a:solidFill>
+        <a:prstDash val="sysDash"/>
+      </a:ln>
+    </cs:spPr>
+  </cs:trendline>
+  <cs:trendlineLabel>
+    <cs:lnRef idx="0"/>
+    <cs:fillRef idx="0"/>
+    <cs:effectRef idx="0"/>
+    <cs:fontRef idx="minor">
+      <a:schemeClr val="tx1">
+        <a:lumMod val="65000"/>
+        <a:lumOff val="35000"/>
+      </a:schemeClr>
+    </cs:fontRef>
+    <cs:defRPr sz="1197"/>
+  </cs:trendlineLabel>
+  <cs:upBar>
+    <cs:lnRef idx="0"/>
+    <cs:fillRef idx="0"/>
+    <cs:effectRef idx="0"/>
+    <cs:fontRef idx="minor">
+      <a:schemeClr val="dk1"/>
+    </cs:fontRef>
+    <cs:spPr>
+      <a:solidFill>
+        <a:schemeClr val="lt1"/>
+      </a:solidFill>
+      <a:ln w="9525">
+        <a:solidFill>
+          <a:schemeClr val="tx1">
+            <a:lumMod val="15000"/>
+            <a:lumOff val="85000"/>
+          </a:schemeClr>
+        </a:solidFill>
+      </a:ln>
+    </cs:spPr>
+  </cs:upBar>
+  <cs:valueAxis>
+    <cs:lnRef idx="0"/>
+    <cs:fillRef idx="0"/>
+    <cs:effectRef idx="0"/>
+    <cs:fontRef idx="minor">
+      <a:schemeClr val="tx1">
+        <a:lumMod val="65000"/>
+        <a:lumOff val="35000"/>
+      </a:schemeClr>
+    </cs:fontRef>
+    <cs:defRPr sz="1197"/>
+  </cs:valueAxis>
+  <cs:wall>
+    <cs:lnRef idx="0"/>
+    <cs:fillRef idx="0"/>
+    <cs:effectRef idx="0"/>
+    <cs:fontRef idx="minor">
+      <a:schemeClr val="tx1"/>
+    </cs:fontRef>
+  </cs:wall>
+</cs:chartStyle>
+</file>
+
+<file path=ppt/charts/style2.xml><?xml version="1.0" encoding="utf-8"?>
 <cs:chartStyle xmlns:cs="http://schemas.microsoft.com/office/drawing/2012/chartStyle" xmlns:a="http://schemas.openxmlformats.org/drawingml/2006/main" id="288">
   <cs:axisTitle>
     <cs:lnRef idx="0"/>
@@ -3337,7 +3337,7 @@
 </cs:chartStyle>
 </file>
 
-<file path=ppt/charts/style4.xml><?xml version="1.0" encoding="utf-8"?>
+<file path=ppt/charts/style3.xml><?xml version="1.0" encoding="utf-8"?>
 <cs:chartStyle xmlns:cs="http://schemas.microsoft.com/office/drawing/2012/chartStyle" xmlns:a="http://schemas.openxmlformats.org/drawingml/2006/main" id="288">
   <cs:axisTitle>
     <cs:lnRef idx="0"/>
@@ -4020,7 +4020,7 @@
           <a:p>
             <a:fld id="{BE1FC2F9-AA4C-4B9F-B712-5BFA3E43A865}" type="datetimeFigureOut">
               <a:rPr lang="en-US" smtClean="0"/>
-              <a:t>9/17/2024</a:t>
+              <a:t>9/18/2024</a:t>
             </a:fld>
             <a:endParaRPr lang="en-US"/>
           </a:p>
@@ -4188,7 +4188,7 @@
           <a:p>
             <a:fld id="{BE1FC2F9-AA4C-4B9F-B712-5BFA3E43A865}" type="datetimeFigureOut">
               <a:rPr lang="en-US" smtClean="0"/>
-              <a:t>9/17/2024</a:t>
+              <a:t>9/18/2024</a:t>
             </a:fld>
             <a:endParaRPr lang="en-US"/>
           </a:p>
@@ -4366,7 +4366,7 @@
           <a:p>
             <a:fld id="{BE1FC2F9-AA4C-4B9F-B712-5BFA3E43A865}" type="datetimeFigureOut">
               <a:rPr lang="en-US" smtClean="0"/>
-              <a:t>9/17/2024</a:t>
+              <a:t>9/18/2024</a:t>
             </a:fld>
             <a:endParaRPr lang="en-US"/>
           </a:p>
@@ -4534,7 +4534,7 @@
           <a:p>
             <a:fld id="{BE1FC2F9-AA4C-4B9F-B712-5BFA3E43A865}" type="datetimeFigureOut">
               <a:rPr lang="en-US" smtClean="0"/>
-              <a:t>9/17/2024</a:t>
+              <a:t>9/18/2024</a:t>
             </a:fld>
             <a:endParaRPr lang="en-US"/>
           </a:p>
@@ -4779,7 +4779,7 @@
           <a:p>
             <a:fld id="{BE1FC2F9-AA4C-4B9F-B712-5BFA3E43A865}" type="datetimeFigureOut">
               <a:rPr lang="en-US" smtClean="0"/>
-              <a:t>9/17/2024</a:t>
+              <a:t>9/18/2024</a:t>
             </a:fld>
             <a:endParaRPr lang="en-US"/>
           </a:p>
@@ -5008,7 +5008,7 @@
           <a:p>
             <a:fld id="{BE1FC2F9-AA4C-4B9F-B712-5BFA3E43A865}" type="datetimeFigureOut">
               <a:rPr lang="en-US" smtClean="0"/>
-              <a:t>9/17/2024</a:t>
+              <a:t>9/18/2024</a:t>
             </a:fld>
             <a:endParaRPr lang="en-US"/>
           </a:p>
@@ -5372,7 +5372,7 @@
           <a:p>
             <a:fld id="{BE1FC2F9-AA4C-4B9F-B712-5BFA3E43A865}" type="datetimeFigureOut">
               <a:rPr lang="en-US" smtClean="0"/>
-              <a:t>9/17/2024</a:t>
+              <a:t>9/18/2024</a:t>
             </a:fld>
             <a:endParaRPr lang="en-US"/>
           </a:p>
@@ -5489,7 +5489,7 @@
           <a:p>
             <a:fld id="{BE1FC2F9-AA4C-4B9F-B712-5BFA3E43A865}" type="datetimeFigureOut">
               <a:rPr lang="en-US" smtClean="0"/>
-              <a:t>9/17/2024</a:t>
+              <a:t>9/18/2024</a:t>
             </a:fld>
             <a:endParaRPr lang="en-US"/>
           </a:p>
@@ -5584,7 +5584,7 @@
           <a:p>
             <a:fld id="{BE1FC2F9-AA4C-4B9F-B712-5BFA3E43A865}" type="datetimeFigureOut">
               <a:rPr lang="en-US" smtClean="0"/>
-              <a:t>9/17/2024</a:t>
+              <a:t>9/18/2024</a:t>
             </a:fld>
             <a:endParaRPr lang="en-US"/>
           </a:p>
@@ -5859,7 +5859,7 @@
           <a:p>
             <a:fld id="{BE1FC2F9-AA4C-4B9F-B712-5BFA3E43A865}" type="datetimeFigureOut">
               <a:rPr lang="en-US" smtClean="0"/>
-              <a:t>9/17/2024</a:t>
+              <a:t>9/18/2024</a:t>
             </a:fld>
             <a:endParaRPr lang="en-US"/>
           </a:p>
@@ -6111,7 +6111,7 @@
           <a:p>
             <a:fld id="{BE1FC2F9-AA4C-4B9F-B712-5BFA3E43A865}" type="datetimeFigureOut">
               <a:rPr lang="en-US" smtClean="0"/>
-              <a:t>9/17/2024</a:t>
+              <a:t>9/18/2024</a:t>
             </a:fld>
             <a:endParaRPr lang="en-US"/>
           </a:p>
@@ -6322,7 +6322,7 @@
           <a:p>
             <a:fld id="{BE1FC2F9-AA4C-4B9F-B712-5BFA3E43A865}" type="datetimeFigureOut">
               <a:rPr lang="en-US" smtClean="0"/>
-              <a:t>9/17/2024</a:t>
+              <a:t>9/18/2024</a:t>
             </a:fld>
             <a:endParaRPr lang="en-US"/>
           </a:p>
@@ -6727,8 +6727,8 @@
           <a:chExt cx="0" cy="0"/>
         </a:xfrm>
       </p:grpSpPr>
-      <mc:AlternateContent xmlns:mc="http://schemas.openxmlformats.org/markup-compatibility/2006" xmlns:pslz="http://schemas.microsoft.com/office/powerpoint/2016/slidezoom">
-        <mc:Choice Requires="pslz">
+      <mc:AlternateContent xmlns:mc="http://schemas.openxmlformats.org/markup-compatibility/2006">
+        <mc:Choice xmlns:pslz="http://schemas.microsoft.com/office/powerpoint/2016/slidezoom" xmlns="" Requires="pslz">
           <p:graphicFrame>
             <p:nvGraphicFramePr>
               <p:cNvPr id="3" name="Slide Zoom 2">
@@ -6785,7 +6785,7 @@
             </a:graphic>
           </p:graphicFrame>
         </mc:Choice>
-        <mc:Fallback xmlns="">
+        <mc:Fallback>
           <p:pic>
             <p:nvPicPr>
               <p:cNvPr id="3" name="Slide Zoom 2">
@@ -6824,8 +6824,8 @@
           </p:pic>
         </mc:Fallback>
       </mc:AlternateContent>
-      <mc:AlternateContent xmlns:mc="http://schemas.openxmlformats.org/markup-compatibility/2006" xmlns:pslz="http://schemas.microsoft.com/office/powerpoint/2016/slidezoom">
-        <mc:Choice Requires="pslz">
+      <mc:AlternateContent xmlns:mc="http://schemas.openxmlformats.org/markup-compatibility/2006">
+        <mc:Choice xmlns:pslz="http://schemas.microsoft.com/office/powerpoint/2016/slidezoom" xmlns="" Requires="pslz">
           <p:graphicFrame>
             <p:nvGraphicFramePr>
               <p:cNvPr id="5" name="Slide Zoom 4">
@@ -6882,7 +6882,7 @@
             </a:graphic>
           </p:graphicFrame>
         </mc:Choice>
-        <mc:Fallback xmlns="">
+        <mc:Fallback>
           <p:pic>
             <p:nvPicPr>
               <p:cNvPr id="5" name="Slide Zoom 4">
@@ -6921,8 +6921,8 @@
           </p:pic>
         </mc:Fallback>
       </mc:AlternateContent>
-      <mc:AlternateContent xmlns:mc="http://schemas.openxmlformats.org/markup-compatibility/2006" xmlns:pslz="http://schemas.microsoft.com/office/powerpoint/2016/slidezoom">
-        <mc:Choice Requires="pslz">
+      <mc:AlternateContent xmlns:mc="http://schemas.openxmlformats.org/markup-compatibility/2006">
+        <mc:Choice xmlns:pslz="http://schemas.microsoft.com/office/powerpoint/2016/slidezoom" xmlns="" Requires="pslz">
           <p:graphicFrame>
             <p:nvGraphicFramePr>
               <p:cNvPr id="7" name="Slide Zoom 6">
@@ -6979,7 +6979,7 @@
             </a:graphic>
           </p:graphicFrame>
         </mc:Choice>
-        <mc:Fallback xmlns="">
+        <mc:Fallback>
           <p:pic>
             <p:nvPicPr>
               <p:cNvPr id="7" name="Slide Zoom 6">
@@ -7018,8 +7018,8 @@
           </p:pic>
         </mc:Fallback>
       </mc:AlternateContent>
-      <mc:AlternateContent xmlns:mc="http://schemas.openxmlformats.org/markup-compatibility/2006" xmlns:pslz="http://schemas.microsoft.com/office/powerpoint/2016/slidezoom">
-        <mc:Choice Requires="pslz">
+      <mc:AlternateContent xmlns:mc="http://schemas.openxmlformats.org/markup-compatibility/2006">
+        <mc:Choice xmlns:pslz="http://schemas.microsoft.com/office/powerpoint/2016/slidezoom" xmlns="" Requires="pslz">
           <p:graphicFrame>
             <p:nvGraphicFramePr>
               <p:cNvPr id="9" name="Slide Zoom 8">
@@ -7076,7 +7076,7 @@
             </a:graphic>
           </p:graphicFrame>
         </mc:Choice>
-        <mc:Fallback xmlns="">
+        <mc:Fallback>
           <p:pic>
             <p:nvPicPr>
               <p:cNvPr id="9" name="Slide Zoom 8">
@@ -7115,8 +7115,8 @@
           </p:pic>
         </mc:Fallback>
       </mc:AlternateContent>
-      <mc:AlternateContent xmlns:mc="http://schemas.openxmlformats.org/markup-compatibility/2006" xmlns:pslz="http://schemas.microsoft.com/office/powerpoint/2016/slidezoom">
-        <mc:Choice Requires="pslz">
+      <mc:AlternateContent xmlns:mc="http://schemas.openxmlformats.org/markup-compatibility/2006">
+        <mc:Choice xmlns:pslz="http://schemas.microsoft.com/office/powerpoint/2016/slidezoom" xmlns="" Requires="pslz">
           <p:graphicFrame>
             <p:nvGraphicFramePr>
               <p:cNvPr id="11" name="Slide Zoom 10">
@@ -7173,7 +7173,7 @@
             </a:graphic>
           </p:graphicFrame>
         </mc:Choice>
-        <mc:Fallback xmlns="">
+        <mc:Fallback>
           <p:pic>
             <p:nvPicPr>
               <p:cNvPr id="11" name="Slide Zoom 10">
@@ -7212,8 +7212,8 @@
           </p:pic>
         </mc:Fallback>
       </mc:AlternateContent>
-      <mc:AlternateContent xmlns:mc="http://schemas.openxmlformats.org/markup-compatibility/2006" xmlns:pslz="http://schemas.microsoft.com/office/powerpoint/2016/slidezoom">
-        <mc:Choice Requires="pslz">
+      <mc:AlternateContent xmlns:mc="http://schemas.openxmlformats.org/markup-compatibility/2006">
+        <mc:Choice xmlns:pslz="http://schemas.microsoft.com/office/powerpoint/2016/slidezoom" xmlns="" Requires="pslz">
           <p:graphicFrame>
             <p:nvGraphicFramePr>
               <p:cNvPr id="13" name="Slide Zoom 12">
@@ -7270,7 +7270,7 @@
             </a:graphic>
           </p:graphicFrame>
         </mc:Choice>
-        <mc:Fallback xmlns="">
+        <mc:Fallback>
           <p:pic>
             <p:nvPicPr>
               <p:cNvPr id="13" name="Slide Zoom 12">
@@ -7309,8 +7309,8 @@
           </p:pic>
         </mc:Fallback>
       </mc:AlternateContent>
-      <mc:AlternateContent xmlns:mc="http://schemas.openxmlformats.org/markup-compatibility/2006" xmlns:pslz="http://schemas.microsoft.com/office/powerpoint/2016/slidezoom">
-        <mc:Choice Requires="pslz">
+      <mc:AlternateContent xmlns:mc="http://schemas.openxmlformats.org/markup-compatibility/2006">
+        <mc:Choice xmlns:pslz="http://schemas.microsoft.com/office/powerpoint/2016/slidezoom" xmlns="" Requires="pslz">
           <p:graphicFrame>
             <p:nvGraphicFramePr>
               <p:cNvPr id="15" name="Slide Zoom 14">
@@ -7367,7 +7367,7 @@
             </a:graphic>
           </p:graphicFrame>
         </mc:Choice>
-        <mc:Fallback xmlns="">
+        <mc:Fallback>
           <p:pic>
             <p:nvPicPr>
               <p:cNvPr id="15" name="Slide Zoom 14">
@@ -7406,8 +7406,8 @@
           </p:pic>
         </mc:Fallback>
       </mc:AlternateContent>
-      <mc:AlternateContent xmlns:mc="http://schemas.openxmlformats.org/markup-compatibility/2006" xmlns:pslz="http://schemas.microsoft.com/office/powerpoint/2016/slidezoom">
-        <mc:Choice Requires="pslz">
+      <mc:AlternateContent xmlns:mc="http://schemas.openxmlformats.org/markup-compatibility/2006">
+        <mc:Choice xmlns:pslz="http://schemas.microsoft.com/office/powerpoint/2016/slidezoom" xmlns="" Requires="pslz">
           <p:graphicFrame>
             <p:nvGraphicFramePr>
               <p:cNvPr id="17" name="Slide Zoom 16">
@@ -7464,7 +7464,7 @@
             </a:graphic>
           </p:graphicFrame>
         </mc:Choice>
-        <mc:Fallback xmlns="">
+        <mc:Fallback>
           <p:pic>
             <p:nvPicPr>
               <p:cNvPr id="17" name="Slide Zoom 16">
@@ -7503,8 +7503,8 @@
           </p:pic>
         </mc:Fallback>
       </mc:AlternateContent>
-      <mc:AlternateContent xmlns:mc="http://schemas.openxmlformats.org/markup-compatibility/2006" xmlns:pslz="http://schemas.microsoft.com/office/powerpoint/2016/slidezoom">
-        <mc:Choice Requires="pslz">
+      <mc:AlternateContent xmlns:mc="http://schemas.openxmlformats.org/markup-compatibility/2006">
+        <mc:Choice xmlns:pslz="http://schemas.microsoft.com/office/powerpoint/2016/slidezoom" xmlns="" Requires="pslz">
           <p:graphicFrame>
             <p:nvGraphicFramePr>
               <p:cNvPr id="19" name="Slide Zoom 18">
@@ -7561,11 +7561,11 @@
             </a:graphic>
           </p:graphicFrame>
         </mc:Choice>
-        <mc:Fallback xmlns="">
+        <mc:Fallback>
           <p:pic>
             <p:nvPicPr>
               <p:cNvPr id="19" name="Slide Zoom 18">
-                <a:hlinkClick r:id="rId27" action="ppaction://hlinksldjump"/>
+                <a:hlinkClick r:id="" action="ppaction://noaction"/>
                 <a:extLst>
                   <a:ext uri="{FF2B5EF4-FFF2-40B4-BE49-F238E27FC236}">
                     <a16:creationId xmlns:a16="http://schemas.microsoft.com/office/drawing/2014/main" id="{EA2334B2-B163-4E48-87E0-8D150007BB2D}"/>
@@ -7578,7 +7578,7 @@
               <p:nvPr/>
             </p:nvPicPr>
             <p:blipFill>
-              <a:blip r:embed="rId28"/>
+              <a:blip r:embed="rId27"/>
               <a:stretch>
                 <a:fillRect/>
               </a:stretch>
@@ -7823,13 +7823,13 @@
   <p:clrMapOvr>
     <a:masterClrMapping/>
   </p:clrMapOvr>
-  <mc:AlternateContent xmlns:mc="http://schemas.openxmlformats.org/markup-compatibility/2006" xmlns:p159="http://schemas.microsoft.com/office/powerpoint/2015/09/main">
-    <mc:Choice Requires="p159">
+  <mc:AlternateContent xmlns:mc="http://schemas.openxmlformats.org/markup-compatibility/2006">
+    <mc:Choice xmlns:p159="http://schemas.microsoft.com/office/powerpoint/2015/09/main" xmlns="" Requires="p159">
       <p:transition>
         <p159:morph option="byObject"/>
       </p:transition>
     </mc:Choice>
-    <mc:Fallback xmlns="">
+    <mc:Fallback>
       <p:transition>
         <p:fade/>
       </p:transition>
@@ -7990,14 +7990,14 @@
           <p:nvPr>
             <p:extLst>
               <p:ext uri="{D42A27DB-BD31-4B8C-83A1-F6EECF244321}">
-                <p14:modId xmlns:p14="http://schemas.microsoft.com/office/powerpoint/2010/main" val="2971208284"/>
+                <p14:modId xmlns:p14="http://schemas.microsoft.com/office/powerpoint/2010/main" val="402069851"/>
               </p:ext>
             </p:extLst>
           </p:nvPr>
         </p:nvGraphicFramePr>
         <p:xfrm>
           <a:off x="1766204" y="1172895"/>
-          <a:ext cx="8703128" cy="5364480"/>
+          <a:ext cx="8703128" cy="5161717"/>
         </p:xfrm>
         <a:graphic>
           <a:graphicData uri="http://schemas.openxmlformats.org/drawingml/2006/table">
@@ -8013,14 +8013,14 @@
                     </a:ext>
                   </a:extLst>
                 </a:gridCol>
-                <a:gridCol w="2616039">
+                <a:gridCol w="2459131">
                   <a:extLst>
                     <a:ext uri="{9D8B030D-6E8A-4147-A177-3AD203B41FA5}">
                       <a16:colId xmlns:a16="http://schemas.microsoft.com/office/drawing/2014/main" val="705608295"/>
                     </a:ext>
                   </a:extLst>
                 </a:gridCol>
-                <a:gridCol w="1249376">
+                <a:gridCol w="1406284">
                   <a:extLst>
                     <a:ext uri="{9D8B030D-6E8A-4147-A177-3AD203B41FA5}">
                       <a16:colId xmlns:a16="http://schemas.microsoft.com/office/drawing/2014/main" val="463317882"/>
@@ -8062,13 +8062,40 @@
                     <a:p>
                       <a:pPr algn="ctr"/>
                       <a:r>
+                        <a:rPr lang="en-US" sz="1750" smtClean="0">
+                          <a:solidFill>
+                            <a:schemeClr val="bg1"/>
+                          </a:solidFill>
+                          <a:latin typeface="Jumble" panose="02000503000000020004" pitchFamily="2" charset="0"/>
+                        </a:rPr>
+                        <a:t>Helping</a:t>
+                      </a:r>
+                      <a:r>
+                        <a:rPr lang="en-US" sz="1750" baseline="0" smtClean="0">
+                          <a:solidFill>
+                            <a:schemeClr val="bg1"/>
+                          </a:solidFill>
+                          <a:latin typeface="Jumble" panose="02000503000000020004" pitchFamily="2" charset="0"/>
+                        </a:rPr>
+                        <a:t> Hands </a:t>
+                      </a:r>
+                      <a:r>
+                        <a:rPr lang="en-US" sz="1750" smtClean="0">
+                          <a:solidFill>
+                            <a:schemeClr val="bg1"/>
+                          </a:solidFill>
+                          <a:latin typeface="Jumble" panose="02000503000000020004" pitchFamily="2" charset="0"/>
+                        </a:rPr>
+                        <a:t>Quality </a:t>
+                      </a:r>
+                      <a:r>
                         <a:rPr lang="en-US" sz="1750" dirty="0">
                           <a:solidFill>
                             <a:schemeClr val="bg1"/>
                           </a:solidFill>
                           <a:latin typeface="Jumble" panose="02000503000000020004" pitchFamily="2" charset="0"/>
                         </a:rPr>
-                        <a:t>Innovative Cohort Quality Circle</a:t>
+                        <a:t>Circle</a:t>
                       </a:r>
                     </a:p>
                   </a:txBody>
@@ -8705,22 +8732,31 @@
                     <a:lstStyle/>
                     <a:p>
                       <a:r>
+                        <a:rPr lang="en-US" sz="1750" dirty="0" smtClean="0">
+                          <a:solidFill>
+                            <a:schemeClr val="bg1"/>
+                          </a:solidFill>
+                          <a:latin typeface="Jumble" panose="02000503000000020004" pitchFamily="2" charset="0"/>
+                        </a:rPr>
+                        <a:t>Medium: </a:t>
+                      </a:r>
+                      <a:r>
                         <a:rPr lang="en-US" sz="1750" dirty="0">
                           <a:solidFill>
                             <a:schemeClr val="bg1"/>
                           </a:solidFill>
                           <a:latin typeface="Jumble" panose="02000503000000020004" pitchFamily="2" charset="0"/>
                         </a:rPr>
-                        <a:t>Place</a:t>
+                        <a:t>LETS </a:t>
                       </a:r>
                       <a:r>
-                        <a:rPr lang="en-US" sz="1750">
+                        <a:rPr lang="en-US" sz="1750" dirty="0" smtClean="0">
                           <a:solidFill>
                             <a:schemeClr val="bg1"/>
                           </a:solidFill>
                           <a:latin typeface="Jumble" panose="02000503000000020004" pitchFamily="2" charset="0"/>
                         </a:rPr>
-                        <a:t>: LETS TALK APP</a:t>
+                        <a:t>TALK APP</a:t>
                       </a:r>
                       <a:endParaRPr lang="en-US" sz="1750" dirty="0">
                         <a:solidFill>
@@ -8844,19 +8880,10 @@
                           </a:solidFill>
                           <a:latin typeface="Jumble" panose="02000503000000020004" pitchFamily="2" charset="0"/>
                         </a:rPr>
-                        <a:t>Name: </a:t>
+                        <a:t>Name: Barsha</a:t>
                       </a:r>
                       <a:r>
-                        <a:rPr lang="en-US" sz="1750" dirty="0" err="1">
-                          <a:solidFill>
-                            <a:schemeClr val="bg1"/>
-                          </a:solidFill>
-                          <a:latin typeface="Jumble" panose="02000503000000020004" pitchFamily="2" charset="0"/>
-                        </a:rPr>
-                        <a:t>Barsha</a:t>
-                      </a:r>
-                      <a:r>
-                        <a:rPr lang="en-US" sz="1750" baseline="0" dirty="0" err="1">
+                        <a:rPr lang="en-US" sz="1750" baseline="0" dirty="0">
                           <a:solidFill>
                             <a:schemeClr val="bg1"/>
                           </a:solidFill>
@@ -10073,13 +10100,18 @@
                     <a:lstStyle/>
                     <a:p>
                       <a:r>
-                        <a:rPr lang="en-US" sz="1750" dirty="0">
+                        <a:rPr lang="en-US" sz="1750" dirty="0" smtClean="0">
                           <a:solidFill>
                             <a:schemeClr val="bg1"/>
                           </a:solidFill>
                         </a:rPr>
-                        <a:t>INCREASED UNCERTAINITY</a:t>
+                        <a:t>LACK OF CONFIDENCE</a:t>
                       </a:r>
+                      <a:endParaRPr lang="en-US" sz="1750" dirty="0">
+                        <a:solidFill>
+                          <a:schemeClr val="bg1"/>
+                        </a:solidFill>
+                      </a:endParaRPr>
                     </a:p>
                   </a:txBody>
                   <a:tcPr>
@@ -10404,13 +10436,26 @@
                     <a:lstStyle/>
                     <a:p>
                       <a:r>
-                        <a:rPr lang="en-US" sz="1750" dirty="0">
+                        <a:rPr lang="en-US" sz="1750" dirty="0" smtClean="0">
                           <a:solidFill>
                             <a:schemeClr val="bg1"/>
                           </a:solidFill>
                         </a:rPr>
-                        <a:t>EXCESSIVE SENARIO PLANNING</a:t>
+                        <a:t>Fear</a:t>
                       </a:r>
+                      <a:r>
+                        <a:rPr lang="en-US" sz="1750" baseline="0" dirty="0" smtClean="0">
+                          <a:solidFill>
+                            <a:schemeClr val="bg1"/>
+                          </a:solidFill>
+                        </a:rPr>
+                        <a:t> of result</a:t>
+                      </a:r>
+                      <a:endParaRPr lang="en-US" sz="1750" dirty="0">
+                        <a:solidFill>
+                          <a:schemeClr val="bg1"/>
+                        </a:solidFill>
+                      </a:endParaRPr>
                     </a:p>
                   </a:txBody>
                   <a:tcPr>
@@ -10694,13 +10739,26 @@
                     <a:lstStyle/>
                     <a:p>
                       <a:r>
-                        <a:rPr lang="en-US" sz="1750" dirty="0">
+                        <a:rPr lang="en-US" sz="1750" dirty="0" smtClean="0">
                           <a:solidFill>
                             <a:schemeClr val="bg1"/>
                           </a:solidFill>
                         </a:rPr>
-                        <a:t>INCREASED REQUIREMENT</a:t>
+                        <a:t>MASS</a:t>
                       </a:r>
+                      <a:r>
+                        <a:rPr lang="en-US" sz="1750" baseline="0" dirty="0" smtClean="0">
+                          <a:solidFill>
+                            <a:schemeClr val="bg1"/>
+                          </a:solidFill>
+                        </a:rPr>
+                        <a:t> PHOBIA</a:t>
+                      </a:r>
+                      <a:endParaRPr lang="en-US" sz="1750" dirty="0">
+                        <a:solidFill>
+                          <a:schemeClr val="bg1"/>
+                        </a:solidFill>
+                      </a:endParaRPr>
                     </a:p>
                   </a:txBody>
                   <a:tcPr>
@@ -10984,13 +11042,26 @@
                     <a:lstStyle/>
                     <a:p>
                       <a:r>
-                        <a:rPr lang="en-US" sz="1750" dirty="0">
+                        <a:rPr lang="en-US" sz="1750" dirty="0" smtClean="0">
                           <a:solidFill>
                             <a:schemeClr val="bg1"/>
                           </a:solidFill>
                         </a:rPr>
-                        <a:t>RESOURCE ALLOCATION</a:t>
+                        <a:t>BEING</a:t>
                       </a:r>
+                      <a:r>
+                        <a:rPr lang="en-US" sz="1750" baseline="0" dirty="0" smtClean="0">
+                          <a:solidFill>
+                            <a:schemeClr val="bg1"/>
+                          </a:solidFill>
+                        </a:rPr>
+                        <a:t> INTROVERT </a:t>
+                      </a:r>
+                      <a:endParaRPr lang="en-US" sz="1750" dirty="0">
+                        <a:solidFill>
+                          <a:schemeClr val="bg1"/>
+                        </a:solidFill>
+                      </a:endParaRPr>
                     </a:p>
                   </a:txBody>
                   <a:tcPr>
@@ -11279,7 +11350,7 @@
                             <a:schemeClr val="bg1"/>
                           </a:solidFill>
                         </a:rPr>
-                        <a:t>DEPRESSION AND ANXIETY</a:t>
+                        <a:t>DEPRESSION </a:t>
                       </a:r>
                     </a:p>
                   </a:txBody>
@@ -11497,13 +11568,13 @@
   <p:clrMapOvr>
     <a:masterClrMapping/>
   </p:clrMapOvr>
-  <mc:AlternateContent xmlns:mc="http://schemas.openxmlformats.org/markup-compatibility/2006" xmlns:p159="http://schemas.microsoft.com/office/powerpoint/2015/09/main">
-    <mc:Choice Requires="p159">
+  <mc:AlternateContent xmlns:mc="http://schemas.openxmlformats.org/markup-compatibility/2006">
+    <mc:Choice xmlns:p159="http://schemas.microsoft.com/office/powerpoint/2015/09/main" xmlns="" Requires="p159">
       <p:transition>
         <p159:morph option="byObject"/>
       </p:transition>
     </mc:Choice>
-    <mc:Fallback xmlns="">
+    <mc:Fallback>
       <p:transition>
         <p:fade/>
       </p:transition>
@@ -15739,13 +15810,13 @@
   <p:clrMapOvr>
     <a:masterClrMapping/>
   </p:clrMapOvr>
-  <mc:AlternateContent xmlns:mc="http://schemas.openxmlformats.org/markup-compatibility/2006" xmlns:p159="http://schemas.microsoft.com/office/powerpoint/2015/09/main">
-    <mc:Choice Requires="p159">
+  <mc:AlternateContent xmlns:mc="http://schemas.openxmlformats.org/markup-compatibility/2006">
+    <mc:Choice xmlns:p159="http://schemas.microsoft.com/office/powerpoint/2015/09/main" xmlns="" Requires="p159">
       <p:transition>
         <p159:morph option="byObject"/>
       </p:transition>
     </mc:Choice>
-    <mc:Fallback xmlns="">
+    <mc:Fallback>
       <p:transition>
         <p:fade/>
       </p:transition>
@@ -15940,13 +16011,13 @@
   <p:clrMapOvr>
     <a:masterClrMapping/>
   </p:clrMapOvr>
-  <mc:AlternateContent xmlns:mc="http://schemas.openxmlformats.org/markup-compatibility/2006" xmlns:p159="http://schemas.microsoft.com/office/powerpoint/2015/09/main">
-    <mc:Choice Requires="p159">
+  <mc:AlternateContent xmlns:mc="http://schemas.openxmlformats.org/markup-compatibility/2006">
+    <mc:Choice xmlns:p159="http://schemas.microsoft.com/office/powerpoint/2015/09/main" xmlns="" Requires="p159">
       <p:transition>
         <p159:morph option="byObject"/>
       </p:transition>
     </mc:Choice>
-    <mc:Fallback xmlns="">
+    <mc:Fallback>
       <p:transition>
         <p:fade/>
       </p:transition>
@@ -16165,13 +16236,13 @@
   <p:clrMapOvr>
     <a:masterClrMapping/>
   </p:clrMapOvr>
-  <mc:AlternateContent xmlns:mc="http://schemas.openxmlformats.org/markup-compatibility/2006" xmlns:p159="http://schemas.microsoft.com/office/powerpoint/2015/09/main">
-    <mc:Choice Requires="p159">
+  <mc:AlternateContent xmlns:mc="http://schemas.openxmlformats.org/markup-compatibility/2006">
+    <mc:Choice xmlns:p159="http://schemas.microsoft.com/office/powerpoint/2015/09/main" xmlns="" Requires="p159">
       <p:transition>
         <p159:morph option="byObject"/>
       </p:transition>
     </mc:Choice>
-    <mc:Fallback xmlns="">
+    <mc:Fallback>
       <p:transition>
         <p:fade/>
       </p:transition>
@@ -16349,13 +16420,13 @@
   <p:clrMapOvr>
     <a:masterClrMapping/>
   </p:clrMapOvr>
-  <mc:AlternateContent xmlns:mc="http://schemas.openxmlformats.org/markup-compatibility/2006" xmlns:p159="http://schemas.microsoft.com/office/powerpoint/2015/09/main">
-    <mc:Choice Requires="p159">
+  <mc:AlternateContent xmlns:mc="http://schemas.openxmlformats.org/markup-compatibility/2006">
+    <mc:Choice xmlns:p159="http://schemas.microsoft.com/office/powerpoint/2015/09/main" xmlns="" Requires="p159">
       <p:transition>
         <p159:morph option="byObject"/>
       </p:transition>
     </mc:Choice>
-    <mc:Fallback xmlns="">
+    <mc:Fallback>
       <p:transition>
         <p:fade/>
       </p:transition>
@@ -16533,13 +16604,13 @@
   <p:clrMapOvr>
     <a:masterClrMapping/>
   </p:clrMapOvr>
-  <mc:AlternateContent xmlns:mc="http://schemas.openxmlformats.org/markup-compatibility/2006" xmlns:p159="http://schemas.microsoft.com/office/powerpoint/2015/09/main">
-    <mc:Choice Requires="p159">
+  <mc:AlternateContent xmlns:mc="http://schemas.openxmlformats.org/markup-compatibility/2006">
+    <mc:Choice xmlns:p159="http://schemas.microsoft.com/office/powerpoint/2015/09/main" xmlns="" Requires="p159">
       <p:transition>
         <p159:morph option="byObject"/>
       </p:transition>
     </mc:Choice>
-    <mc:Fallback xmlns="">
+    <mc:Fallback>
       <p:transition>
         <p:fade/>
       </p:transition>
@@ -16624,13 +16695,13 @@
   <p:clrMapOvr>
     <a:masterClrMapping/>
   </p:clrMapOvr>
-  <mc:AlternateContent xmlns:mc="http://schemas.openxmlformats.org/markup-compatibility/2006" xmlns:p159="http://schemas.microsoft.com/office/powerpoint/2015/09/main">
-    <mc:Choice Requires="p159">
+  <mc:AlternateContent xmlns:mc="http://schemas.openxmlformats.org/markup-compatibility/2006">
+    <mc:Choice xmlns:p159="http://schemas.microsoft.com/office/powerpoint/2015/09/main" xmlns="" Requires="p159">
       <p:transition>
         <p159:morph option="byObject"/>
       </p:transition>
     </mc:Choice>
-    <mc:Fallback xmlns="">
+    <mc:Fallback>
       <p:transition>
         <p:fade/>
       </p:transition>
@@ -16849,13 +16920,13 @@
   <p:clrMapOvr>
     <a:masterClrMapping/>
   </p:clrMapOvr>
-  <mc:AlternateContent xmlns:mc="http://schemas.openxmlformats.org/markup-compatibility/2006" xmlns:p159="http://schemas.microsoft.com/office/powerpoint/2015/09/main">
-    <mc:Choice Requires="p159">
+  <mc:AlternateContent xmlns:mc="http://schemas.openxmlformats.org/markup-compatibility/2006">
+    <mc:Choice xmlns:p159="http://schemas.microsoft.com/office/powerpoint/2015/09/main" xmlns="" Requires="p159">
       <p:transition>
         <p159:morph option="byObject"/>
       </p:transition>
     </mc:Choice>
-    <mc:Fallback xmlns="">
+    <mc:Fallback>
       <p:transition>
         <p:fade/>
       </p:transition>
@@ -16940,13 +17011,13 @@
   <p:clrMapOvr>
     <a:masterClrMapping/>
   </p:clrMapOvr>
-  <mc:AlternateContent xmlns:mc="http://schemas.openxmlformats.org/markup-compatibility/2006" xmlns:p159="http://schemas.microsoft.com/office/powerpoint/2015/09/main">
-    <mc:Choice Requires="p159">
+  <mc:AlternateContent xmlns:mc="http://schemas.openxmlformats.org/markup-compatibility/2006">
+    <mc:Choice xmlns:p159="http://schemas.microsoft.com/office/powerpoint/2015/09/main" xmlns="" Requires="p159">
       <p:transition>
         <p159:morph option="byObject"/>
       </p:transition>
     </mc:Choice>
-    <mc:Fallback xmlns="">
+    <mc:Fallback>
       <p:transition>
         <p:fade/>
       </p:transition>
@@ -17780,13 +17851,13 @@
   <p:clrMapOvr>
     <a:masterClrMapping/>
   </p:clrMapOvr>
-  <mc:AlternateContent xmlns:mc="http://schemas.openxmlformats.org/markup-compatibility/2006" xmlns:p159="http://schemas.microsoft.com/office/powerpoint/2015/09/main">
-    <mc:Choice Requires="p159">
+  <mc:AlternateContent xmlns:mc="http://schemas.openxmlformats.org/markup-compatibility/2006">
+    <mc:Choice xmlns:p159="http://schemas.microsoft.com/office/powerpoint/2015/09/main" xmlns="" Requires="p159">
       <p:transition>
         <p159:morph option="byObject"/>
       </p:transition>
     </mc:Choice>
-    <mc:Fallback xmlns="">
+    <mc:Fallback>
       <p:transition>
         <p:fade/>
       </p:transition>
@@ -18114,13 +18185,13 @@
   <p:clrMapOvr>
     <a:masterClrMapping/>
   </p:clrMapOvr>
-  <mc:AlternateContent xmlns:mc="http://schemas.openxmlformats.org/markup-compatibility/2006" xmlns:p159="http://schemas.microsoft.com/office/powerpoint/2015/09/main">
-    <mc:Choice Requires="p159">
+  <mc:AlternateContent xmlns:mc="http://schemas.openxmlformats.org/markup-compatibility/2006">
+    <mc:Choice xmlns:p159="http://schemas.microsoft.com/office/powerpoint/2015/09/main" xmlns="" Requires="p159">
       <p:transition>
         <p159:morph option="byObject"/>
       </p:transition>
     </mc:Choice>
-    <mc:Fallback xmlns="">
+    <mc:Fallback>
       <p:transition>
         <p:fade/>
       </p:transition>
@@ -18340,13 +18411,13 @@
   <p:clrMapOvr>
     <a:masterClrMapping/>
   </p:clrMapOvr>
-  <mc:AlternateContent xmlns:mc="http://schemas.openxmlformats.org/markup-compatibility/2006" xmlns:p159="http://schemas.microsoft.com/office/powerpoint/2015/09/main">
-    <mc:Choice Requires="p159">
+  <mc:AlternateContent xmlns:mc="http://schemas.openxmlformats.org/markup-compatibility/2006">
+    <mc:Choice xmlns:p159="http://schemas.microsoft.com/office/powerpoint/2015/09/main" xmlns="" Requires="p159">
       <p:transition>
         <p159:morph option="byObject"/>
       </p:transition>
     </mc:Choice>
-    <mc:Fallback xmlns="">
+    <mc:Fallback>
       <p:transition>
         <p:fade/>
       </p:transition>
@@ -18565,13 +18636,13 @@
   <p:clrMapOvr>
     <a:masterClrMapping/>
   </p:clrMapOvr>
-  <mc:AlternateContent xmlns:mc="http://schemas.openxmlformats.org/markup-compatibility/2006" xmlns:p159="http://schemas.microsoft.com/office/powerpoint/2015/09/main">
-    <mc:Choice Requires="p159">
+  <mc:AlternateContent xmlns:mc="http://schemas.openxmlformats.org/markup-compatibility/2006">
+    <mc:Choice xmlns:p159="http://schemas.microsoft.com/office/powerpoint/2015/09/main" xmlns="" Requires="p159">
       <p:transition>
         <p159:morph option="byObject"/>
       </p:transition>
     </mc:Choice>
-    <mc:Fallback xmlns="">
+    <mc:Fallback>
       <p:transition>
         <p:fade/>
       </p:transition>
@@ -19109,13 +19180,13 @@
   <p:clrMapOvr>
     <a:masterClrMapping/>
   </p:clrMapOvr>
-  <mc:AlternateContent xmlns:mc="http://schemas.openxmlformats.org/markup-compatibility/2006" xmlns:p159="http://schemas.microsoft.com/office/powerpoint/2015/09/main">
-    <mc:Choice Requires="p159">
+  <mc:AlternateContent xmlns:mc="http://schemas.openxmlformats.org/markup-compatibility/2006">
+    <mc:Choice xmlns:p159="http://schemas.microsoft.com/office/powerpoint/2015/09/main" xmlns="" Requires="p159">
       <p:transition>
         <p159:morph option="byObject"/>
       </p:transition>
     </mc:Choice>
-    <mc:Fallback xmlns="">
+    <mc:Fallback>
       <p:transition>
         <p:fade/>
       </p:transition>
@@ -23780,13 +23851,13 @@
   <p:clrMapOvr>
     <a:masterClrMapping/>
   </p:clrMapOvr>
-  <mc:AlternateContent xmlns:mc="http://schemas.openxmlformats.org/markup-compatibility/2006" xmlns:p159="http://schemas.microsoft.com/office/powerpoint/2015/09/main">
-    <mc:Choice Requires="p159">
+  <mc:AlternateContent xmlns:mc="http://schemas.openxmlformats.org/markup-compatibility/2006">
+    <mc:Choice xmlns:p159="http://schemas.microsoft.com/office/powerpoint/2015/09/main" xmlns="" Requires="p159">
       <p:transition>
         <p159:morph option="byObject"/>
       </p:transition>
     </mc:Choice>
-    <mc:Fallback xmlns="">
+    <mc:Fallback>
       <p:transition>
         <p:fade/>
       </p:transition>
@@ -23979,13 +24050,13 @@
   <p:clrMapOvr>
     <a:masterClrMapping/>
   </p:clrMapOvr>
-  <mc:AlternateContent xmlns:mc="http://schemas.openxmlformats.org/markup-compatibility/2006" xmlns:p159="http://schemas.microsoft.com/office/powerpoint/2015/09/main">
-    <mc:Choice Requires="p159">
+  <mc:AlternateContent xmlns:mc="http://schemas.openxmlformats.org/markup-compatibility/2006">
+    <mc:Choice xmlns:p159="http://schemas.microsoft.com/office/powerpoint/2015/09/main" xmlns="" Requires="p159">
       <p:transition>
         <p159:morph option="byObject"/>
       </p:transition>
     </mc:Choice>
-    <mc:Fallback xmlns="">
+    <mc:Fallback>
       <p:transition>
         <p:fade/>
       </p:transition>
@@ -24204,13 +24275,13 @@
   <p:clrMapOvr>
     <a:masterClrMapping/>
   </p:clrMapOvr>
-  <mc:AlternateContent xmlns:mc="http://schemas.openxmlformats.org/markup-compatibility/2006" xmlns:p159="http://schemas.microsoft.com/office/powerpoint/2015/09/main">
-    <mc:Choice Requires="p159">
+  <mc:AlternateContent xmlns:mc="http://schemas.openxmlformats.org/markup-compatibility/2006">
+    <mc:Choice xmlns:p159="http://schemas.microsoft.com/office/powerpoint/2015/09/main" xmlns="" Requires="p159">
       <p:transition>
         <p159:morph option="byObject"/>
       </p:transition>
     </mc:Choice>
-    <mc:Fallback xmlns="">
+    <mc:Fallback>
       <p:transition>
         <p:fade/>
       </p:transition>
@@ -24568,13 +24639,13 @@
   <p:clrMapOvr>
     <a:masterClrMapping/>
   </p:clrMapOvr>
-  <mc:AlternateContent xmlns:mc="http://schemas.openxmlformats.org/markup-compatibility/2006" xmlns:p159="http://schemas.microsoft.com/office/powerpoint/2015/09/main">
-    <mc:Choice Requires="p159">
+  <mc:AlternateContent xmlns:mc="http://schemas.openxmlformats.org/markup-compatibility/2006">
+    <mc:Choice xmlns:p159="http://schemas.microsoft.com/office/powerpoint/2015/09/main" xmlns="" Requires="p159">
       <p:transition>
         <p159:morph option="byObject"/>
       </p:transition>
     </mc:Choice>
-    <mc:Fallback xmlns="">
+    <mc:Fallback>
       <p:transition>
         <p:fade/>
       </p:transition>
@@ -25747,224 +25818,6 @@
 </p:sld>
 </file>
 
-<file path=ppt/slides/slide300.xml><?xml version="1.0" encoding="utf-8"?>
-<p:sld xmlns:a="http://schemas.openxmlformats.org/drawingml/2006/main" xmlns:r="http://schemas.openxmlformats.org/officeDocument/2006/relationships" xmlns:p="http://schemas.openxmlformats.org/presentationml/2006/main">
-  <p:cSld>
-    <p:spTree>
-      <p:nvGrpSpPr>
-        <p:cNvPr id="1" name=""/>
-        <p:cNvGrpSpPr/>
-        <p:nvPr/>
-      </p:nvGrpSpPr>
-      <p:grpSpPr>
-        <a:xfrm>
-          <a:off x="0" y="0"/>
-          <a:ext cx="0" cy="0"/>
-          <a:chOff x="0" y="0"/>
-          <a:chExt cx="0" cy="0"/>
-        </a:xfrm>
-      </p:grpSpPr>
-      <p:sp>
-        <p:nvSpPr>
-          <p:cNvPr id="3" name="TextBox 2">
-            <a:extLst>
-              <a:ext uri="{FF2B5EF4-FFF2-40B4-BE49-F238E27FC236}">
-                <a16:creationId xmlns:a16="http://schemas.microsoft.com/office/drawing/2014/main" id="{3DDCE132-D78F-5779-0123-671F3C8B232F}"/>
-              </a:ext>
-            </a:extLst>
-          </p:cNvPr>
-          <p:cNvSpPr txBox="1"/>
-          <p:nvPr/>
-        </p:nvSpPr>
-        <p:spPr>
-          <a:xfrm>
-            <a:off x="410496" y="604684"/>
-            <a:ext cx="11371007" cy="1077218"/>
-          </a:xfrm>
-          <a:prstGeom prst="rect">
-            <a:avLst/>
-          </a:prstGeom>
-          <a:noFill/>
-        </p:spPr>
-        <p:txBody>
-          <a:bodyPr wrap="square">
-            <a:spAutoFit/>
-          </a:bodyPr>
-          <a:lstStyle/>
-          <a:p>
-            <a:r>
-              <a:rPr lang="en-GB" sz="3200" b="1" dirty="0">
-                <a:effectLst>
-                  <a:outerShdw blurRad="38100" dist="38100" dir="2700000" algn="tl">
-                    <a:srgbClr val="000000">
-                      <a:alpha val="43137"/>
-                    </a:srgbClr>
-                  </a:outerShdw>
-                </a:effectLst>
-              </a:rPr>
-              <a:t>To address a lack of participation, consider these strategies:</a:t>
-            </a:r>
-          </a:p>
-          <a:p>
-            <a:endParaRPr lang="en-GB" sz="3200" b="1" dirty="0">
-              <a:effectLst>
-                <a:outerShdw blurRad="38100" dist="38100" dir="2700000" algn="tl">
-                  <a:srgbClr val="000000">
-                    <a:alpha val="43137"/>
-                  </a:srgbClr>
-                </a:outerShdw>
-              </a:effectLst>
-            </a:endParaRPr>
-          </a:p>
-        </p:txBody>
-      </p:sp>
-      <p:sp>
-        <p:nvSpPr>
-          <p:cNvPr id="5" name="TextBox 4">
-            <a:extLst>
-              <a:ext uri="{FF2B5EF4-FFF2-40B4-BE49-F238E27FC236}">
-                <a16:creationId xmlns:a16="http://schemas.microsoft.com/office/drawing/2014/main" id="{18DBFF64-4DFA-F7B7-2D7A-4AD9538BF715}"/>
-              </a:ext>
-            </a:extLst>
-          </p:cNvPr>
-          <p:cNvSpPr txBox="1"/>
-          <p:nvPr/>
-        </p:nvSpPr>
-        <p:spPr>
-          <a:xfrm>
-            <a:off x="245805" y="1401096"/>
-            <a:ext cx="11535698" cy="4524315"/>
-          </a:xfrm>
-          <a:prstGeom prst="rect">
-            <a:avLst/>
-          </a:prstGeom>
-          <a:noFill/>
-        </p:spPr>
-        <p:txBody>
-          <a:bodyPr wrap="square">
-            <a:spAutoFit/>
-          </a:bodyPr>
-          <a:lstStyle/>
-          <a:p>
-            <a:r>
-              <a:rPr lang="en-GB" sz="2400" b="1" dirty="0">
-                <a:effectLst>
-                  <a:glow rad="63500">
-                    <a:schemeClr val="accent4">
-                      <a:satMod val="175000"/>
-                      <a:alpha val="40000"/>
-                    </a:schemeClr>
-                  </a:glow>
-                </a:effectLst>
-              </a:rPr>
-              <a:t>1. Clear Communication: Ensure that expectations and goals are clearly communicated.</a:t>
-            </a:r>
-          </a:p>
-          <a:p>
-            <a:r>
-              <a:rPr lang="en-GB" sz="2400" b="1" dirty="0">
-                <a:effectLst>
-                  <a:glow rad="63500">
-                    <a:schemeClr val="accent4">
-                      <a:satMod val="175000"/>
-                      <a:alpha val="40000"/>
-                    </a:schemeClr>
-                  </a:glow>
-                </a:effectLst>
-              </a:rPr>
-              <a:t>2. Engaging Activities: Create engaging and interactive activities that motivate participation.</a:t>
-            </a:r>
-          </a:p>
-          <a:p>
-            <a:r>
-              <a:rPr lang="en-GB" sz="2400" b="1" dirty="0">
-                <a:effectLst>
-                  <a:glow rad="63500">
-                    <a:schemeClr val="accent4">
-                      <a:satMod val="175000"/>
-                      <a:alpha val="40000"/>
-                    </a:schemeClr>
-                  </a:glow>
-                </a:effectLst>
-              </a:rPr>
-              <a:t>3. Incentives: Offer rewards or recognition for active involvement.</a:t>
-            </a:r>
-          </a:p>
-          <a:p>
-            <a:r>
-              <a:rPr lang="en-GB" sz="2400" b="1" dirty="0">
-                <a:effectLst>
-                  <a:glow rad="63500">
-                    <a:schemeClr val="accent4">
-                      <a:satMod val="175000"/>
-                      <a:alpha val="40000"/>
-                    </a:schemeClr>
-                  </a:glow>
-                </a:effectLst>
-              </a:rPr>
-              <a:t>4. Inclusive Environment: Foster a welcoming and inclusive atmosphere where everyone feels valued.</a:t>
-            </a:r>
-          </a:p>
-          <a:p>
-            <a:r>
-              <a:rPr lang="en-GB" sz="2400" b="1" dirty="0">
-                <a:effectLst>
-                  <a:glow rad="63500">
-                    <a:schemeClr val="accent4">
-                      <a:satMod val="175000"/>
-                      <a:alpha val="40000"/>
-                    </a:schemeClr>
-                  </a:glow>
-                </a:effectLst>
-              </a:rPr>
-              <a:t>5. Flexible Options: Provide multiple ways to participate to accommodate different preferences and schedules.</a:t>
-            </a:r>
-          </a:p>
-          <a:p>
-            <a:r>
-              <a:rPr lang="en-GB" sz="2400" b="1" dirty="0">
-                <a:effectLst>
-                  <a:glow rad="63500">
-                    <a:schemeClr val="accent4">
-                      <a:satMod val="175000"/>
-                      <a:alpha val="40000"/>
-                    </a:schemeClr>
-                  </a:glow>
-                </a:effectLst>
-              </a:rPr>
-              <a:t>6. Feedback Mechanism: Solicit and act on feedback to address concerns and improve involvement.</a:t>
-            </a:r>
-          </a:p>
-          <a:p>
-            <a:r>
-              <a:rPr lang="en-GB" sz="2400" b="1" dirty="0">
-                <a:effectLst>
-                  <a:glow rad="63500">
-                    <a:schemeClr val="accent4">
-                      <a:satMod val="175000"/>
-                      <a:alpha val="40000"/>
-                    </a:schemeClr>
-                  </a:glow>
-                </a:effectLst>
-              </a:rPr>
-              <a:t>7. Leadership and Role Models: Encourage leaders and role models to actively participate and inspire others.</a:t>
-            </a:r>
-          </a:p>
-        </p:txBody>
-      </p:sp>
-    </p:spTree>
-    <p:extLst>
-      <p:ext uri="{BB962C8B-B14F-4D97-AF65-F5344CB8AC3E}">
-        <p14:creationId xmlns:p14="http://schemas.microsoft.com/office/powerpoint/2010/main" val="2103915749"/>
-      </p:ext>
-    </p:extLst>
-  </p:cSld>
-  <p:clrMapOvr>
-    <a:masterClrMapping/>
-  </p:clrMapOvr>
-</p:sld>
-</file>
-
 <file path=ppt/slides/slide4.xml><?xml version="1.0" encoding="utf-8"?>
 <p:sld xmlns:a="http://schemas.openxmlformats.org/drawingml/2006/main" xmlns:r="http://schemas.openxmlformats.org/officeDocument/2006/relationships" xmlns:p="http://schemas.openxmlformats.org/presentationml/2006/main">
   <p:cSld>
@@ -25982,8 +25835,8 @@
           <a:chExt cx="0" cy="0"/>
         </a:xfrm>
       </p:grpSpPr>
-      <mc:AlternateContent xmlns:mc="http://schemas.openxmlformats.org/markup-compatibility/2006" xmlns:cx1="http://schemas.microsoft.com/office/drawing/2015/9/8/chartex">
-        <mc:Choice Requires="cx1">
+      <mc:AlternateContent xmlns:mc="http://schemas.openxmlformats.org/markup-compatibility/2006">
+        <mc:Choice xmlns:cx1="http://schemas.microsoft.com/office/drawing/2015/9/8/chartex" xmlns="" Requires="cx1">
           <p:graphicFrame>
             <p:nvGraphicFramePr>
               <p:cNvPr id="4" name="Chart 3">
@@ -26013,7 +25866,7 @@
             </a:graphic>
           </p:graphicFrame>
         </mc:Choice>
-        <mc:Fallback xmlns="">
+        <mc:Fallback>
           <p:pic>
             <p:nvPicPr>
               <p:cNvPr id="4" name="Chart 3">
@@ -30257,13 +30110,13 @@
   <p:clrMapOvr>
     <a:masterClrMapping/>
   </p:clrMapOvr>
-  <mc:AlternateContent xmlns:mc="http://schemas.openxmlformats.org/markup-compatibility/2006" xmlns:p159="http://schemas.microsoft.com/office/powerpoint/2015/09/main">
-    <mc:Choice Requires="p159">
+  <mc:AlternateContent xmlns:mc="http://schemas.openxmlformats.org/markup-compatibility/2006">
+    <mc:Choice xmlns:p159="http://schemas.microsoft.com/office/powerpoint/2015/09/main" xmlns="" Requires="p159">
       <p:transition>
         <p159:morph option="byObject"/>
       </p:transition>
     </mc:Choice>
-    <mc:Fallback xmlns="">
+    <mc:Fallback>
       <p:transition>
         <p:fade/>
       </p:transition>
